--- a/IoT Enabled Smart Poultry Farm.pptx
+++ b/IoT Enabled Smart Poultry Farm.pptx
@@ -17,6 +17,7 @@
     <p:sldId id="267" r:id="rId11"/>
     <p:sldId id="265" r:id="rId12"/>
     <p:sldId id="266" r:id="rId13"/>
+    <p:sldId id="268" r:id="rId14"/>
   </p:sldIdLst>
   <p:sldSz cx="9144000" cy="6858000" type="screen4x3"/>
   <p:notesSz cx="6858000" cy="9144000"/>
@@ -115,6 +116,22 @@
       </a:defRPr>
     </a:lvl9pPr>
   </p:defaultTextStyle>
+  <p:extLst>
+    <p:ext uri="{EFAFB233-063F-42B5-8137-9DF3F51BA10A}">
+      <p15:sldGuideLst xmlns:p15="http://schemas.microsoft.com/office/powerpoint/2012/main">
+        <p15:guide id="1" orient="horz" pos="2160">
+          <p15:clr>
+            <a:srgbClr val="A4A3A4"/>
+          </p15:clr>
+        </p15:guide>
+        <p15:guide id="2" pos="2880">
+          <p15:clr>
+            <a:srgbClr val="A4A3A4"/>
+          </p15:clr>
+        </p15:guide>
+      </p15:sldGuideLst>
+    </p:ext>
+  </p:extLst>
 </p:presentation>
 </file>
 
@@ -205,7 +222,7 @@
           </a:lstStyle>
           <a:p>
             <a:r>
-              <a:rPr lang="en-US" smtClean="0"/>
+              <a:rPr lang="en-US"/>
               <a:t>Click to edit Master title style</a:t>
             </a:r>
             <a:endParaRPr lang="en-US" dirty="0"/>
@@ -324,7 +341,7 @@
           </a:lstStyle>
           <a:p>
             <a:r>
-              <a:rPr lang="en-US" smtClean="0"/>
+              <a:rPr lang="en-US"/>
               <a:t>Click to edit Master subtitle style</a:t>
             </a:r>
             <a:endParaRPr lang="en-US" dirty="0"/>
@@ -348,7 +365,7 @@
           <a:p>
             <a:fld id="{2BFB4C1B-4AF0-4F5F-911F-2B9F5E053C60}" type="datetimeFigureOut">
               <a:rPr lang="en-IN" smtClean="0"/>
-              <a:t>14-06-2019</a:t>
+              <a:t>15-06-2019</a:t>
             </a:fld>
             <a:endParaRPr lang="en-IN"/>
           </a:p>
@@ -480,7 +497,7 @@
           <a:lstStyle/>
           <a:p>
             <a:r>
-              <a:rPr lang="en-US" smtClean="0"/>
+              <a:rPr lang="en-US"/>
               <a:t>Click to edit Master title style</a:t>
             </a:r>
             <a:endParaRPr lang="en-US" dirty="0"/>
@@ -509,38 +526,37 @@
           <a:p>
             <a:pPr lvl="0"/>
             <a:r>
-              <a:rPr lang="en-US" smtClean="0"/>
+              <a:rPr lang="en-US"/>
               <a:t>Click to edit Master text styles</a:t>
             </a:r>
           </a:p>
           <a:p>
             <a:pPr lvl="1"/>
             <a:r>
-              <a:rPr lang="en-US" smtClean="0"/>
+              <a:rPr lang="en-US"/>
               <a:t>Second level</a:t>
             </a:r>
           </a:p>
           <a:p>
             <a:pPr lvl="2"/>
             <a:r>
-              <a:rPr lang="en-US" smtClean="0"/>
+              <a:rPr lang="en-US"/>
               <a:t>Third level</a:t>
             </a:r>
           </a:p>
           <a:p>
             <a:pPr lvl="3"/>
             <a:r>
-              <a:rPr lang="en-US" smtClean="0"/>
+              <a:rPr lang="en-US"/>
               <a:t>Fourth level</a:t>
             </a:r>
           </a:p>
           <a:p>
             <a:pPr lvl="4"/>
             <a:r>
-              <a:rPr lang="en-US" smtClean="0"/>
+              <a:rPr lang="en-US"/>
               <a:t>Fifth level</a:t>
             </a:r>
-            <a:endParaRPr lang="en-US"/>
           </a:p>
         </p:txBody>
       </p:sp>
@@ -561,7 +577,7 @@
           <a:p>
             <a:fld id="{2BFB4C1B-4AF0-4F5F-911F-2B9F5E053C60}" type="datetimeFigureOut">
               <a:rPr lang="en-IN" smtClean="0"/>
-              <a:t>14-06-2019</a:t>
+              <a:t>15-06-2019</a:t>
             </a:fld>
             <a:endParaRPr lang="en-IN"/>
           </a:p>
@@ -655,7 +671,7 @@
           <a:lstStyle/>
           <a:p>
             <a:r>
-              <a:rPr lang="en-US" smtClean="0"/>
+              <a:rPr lang="en-US"/>
               <a:t>Click to edit Master title style</a:t>
             </a:r>
             <a:endParaRPr lang="en-US" dirty="0"/>
@@ -684,38 +700,37 @@
           <a:p>
             <a:pPr lvl="0"/>
             <a:r>
-              <a:rPr lang="en-US" smtClean="0"/>
+              <a:rPr lang="en-US"/>
               <a:t>Click to edit Master text styles</a:t>
             </a:r>
           </a:p>
           <a:p>
             <a:pPr lvl="1"/>
             <a:r>
-              <a:rPr lang="en-US" smtClean="0"/>
+              <a:rPr lang="en-US"/>
               <a:t>Second level</a:t>
             </a:r>
           </a:p>
           <a:p>
             <a:pPr lvl="2"/>
             <a:r>
-              <a:rPr lang="en-US" smtClean="0"/>
+              <a:rPr lang="en-US"/>
               <a:t>Third level</a:t>
             </a:r>
           </a:p>
           <a:p>
             <a:pPr lvl="3"/>
             <a:r>
-              <a:rPr lang="en-US" smtClean="0"/>
+              <a:rPr lang="en-US"/>
               <a:t>Fourth level</a:t>
             </a:r>
           </a:p>
           <a:p>
             <a:pPr lvl="4"/>
             <a:r>
-              <a:rPr lang="en-US" smtClean="0"/>
+              <a:rPr lang="en-US"/>
               <a:t>Fifth level</a:t>
             </a:r>
-            <a:endParaRPr lang="en-US"/>
           </a:p>
         </p:txBody>
       </p:sp>
@@ -736,7 +751,7 @@
           <a:p>
             <a:fld id="{2BFB4C1B-4AF0-4F5F-911F-2B9F5E053C60}" type="datetimeFigureOut">
               <a:rPr lang="en-IN" smtClean="0"/>
-              <a:t>14-06-2019</a:t>
+              <a:t>15-06-2019</a:t>
             </a:fld>
             <a:endParaRPr lang="en-IN"/>
           </a:p>
@@ -825,10 +840,9 @@
           <a:lstStyle/>
           <a:p>
             <a:r>
-              <a:rPr lang="en-US" smtClean="0"/>
+              <a:rPr lang="en-US"/>
               <a:t>Click to edit Master title style</a:t>
             </a:r>
-            <a:endParaRPr lang="en-US"/>
           </a:p>
         </p:txBody>
       </p:sp>
@@ -849,38 +863,37 @@
           <a:p>
             <a:pPr lvl="0"/>
             <a:r>
-              <a:rPr lang="en-US" smtClean="0"/>
+              <a:rPr lang="en-US"/>
               <a:t>Click to edit Master text styles</a:t>
             </a:r>
           </a:p>
           <a:p>
             <a:pPr lvl="1"/>
             <a:r>
-              <a:rPr lang="en-US" smtClean="0"/>
+              <a:rPr lang="en-US"/>
               <a:t>Second level</a:t>
             </a:r>
           </a:p>
           <a:p>
             <a:pPr lvl="2"/>
             <a:r>
-              <a:rPr lang="en-US" smtClean="0"/>
+              <a:rPr lang="en-US"/>
               <a:t>Third level</a:t>
             </a:r>
           </a:p>
           <a:p>
             <a:pPr lvl="3"/>
             <a:r>
-              <a:rPr lang="en-US" smtClean="0"/>
+              <a:rPr lang="en-US"/>
               <a:t>Fourth level</a:t>
             </a:r>
           </a:p>
           <a:p>
             <a:pPr lvl="4"/>
             <a:r>
-              <a:rPr lang="en-US" smtClean="0"/>
+              <a:rPr lang="en-US"/>
               <a:t>Fifth level</a:t>
             </a:r>
-            <a:endParaRPr lang="en-US"/>
           </a:p>
         </p:txBody>
       </p:sp>
@@ -901,7 +914,7 @@
           <a:p>
             <a:fld id="{2BFB4C1B-4AF0-4F5F-911F-2B9F5E053C60}" type="datetimeFigureOut">
               <a:rPr lang="en-IN" smtClean="0"/>
-              <a:t>14-06-2019</a:t>
+              <a:t>15-06-2019</a:t>
             </a:fld>
             <a:endParaRPr lang="en-IN"/>
           </a:p>
@@ -1042,7 +1055,7 @@
           </a:lstStyle>
           <a:p>
             <a:r>
-              <a:rPr lang="en-US" smtClean="0"/>
+              <a:rPr lang="en-US"/>
               <a:t>Click to edit Master title style</a:t>
             </a:r>
             <a:endParaRPr lang="en-US" dirty="0"/>
@@ -1162,7 +1175,7 @@
           <a:p>
             <a:pPr lvl="0"/>
             <a:r>
-              <a:rPr lang="en-US" smtClean="0"/>
+              <a:rPr lang="en-US"/>
               <a:t>Click to edit Master text styles</a:t>
             </a:r>
           </a:p>
@@ -1185,7 +1198,7 @@
           <a:p>
             <a:fld id="{2BFB4C1B-4AF0-4F5F-911F-2B9F5E053C60}" type="datetimeFigureOut">
               <a:rPr lang="en-IN" smtClean="0"/>
-              <a:t>14-06-2019</a:t>
+              <a:t>15-06-2019</a:t>
             </a:fld>
             <a:endParaRPr lang="en-IN"/>
           </a:p>
@@ -1317,10 +1330,9 @@
           <a:lstStyle/>
           <a:p>
             <a:r>
-              <a:rPr lang="en-US" smtClean="0"/>
+              <a:rPr lang="en-US"/>
               <a:t>Click to edit Master title style</a:t>
             </a:r>
-            <a:endParaRPr lang="en-US"/>
           </a:p>
         </p:txBody>
       </p:sp>
@@ -1374,35 +1386,35 @@
           <a:p>
             <a:pPr lvl="0"/>
             <a:r>
-              <a:rPr lang="en-US" smtClean="0"/>
+              <a:rPr lang="en-US"/>
               <a:t>Click to edit Master text styles</a:t>
             </a:r>
           </a:p>
           <a:p>
             <a:pPr lvl="1"/>
             <a:r>
-              <a:rPr lang="en-US" smtClean="0"/>
+              <a:rPr lang="en-US"/>
               <a:t>Second level</a:t>
             </a:r>
           </a:p>
           <a:p>
             <a:pPr lvl="2"/>
             <a:r>
-              <a:rPr lang="en-US" smtClean="0"/>
+              <a:rPr lang="en-US"/>
               <a:t>Third level</a:t>
             </a:r>
           </a:p>
           <a:p>
             <a:pPr lvl="3"/>
             <a:r>
-              <a:rPr lang="en-US" smtClean="0"/>
+              <a:rPr lang="en-US"/>
               <a:t>Fourth level</a:t>
             </a:r>
           </a:p>
           <a:p>
             <a:pPr lvl="4"/>
             <a:r>
-              <a:rPr lang="en-US" smtClean="0"/>
+              <a:rPr lang="en-US"/>
               <a:t>Fifth level</a:t>
             </a:r>
             <a:endParaRPr lang="en-US" dirty="0"/>
@@ -1459,38 +1471,37 @@
           <a:p>
             <a:pPr lvl="0"/>
             <a:r>
-              <a:rPr lang="en-US" smtClean="0"/>
+              <a:rPr lang="en-US"/>
               <a:t>Click to edit Master text styles</a:t>
             </a:r>
           </a:p>
           <a:p>
             <a:pPr lvl="1"/>
             <a:r>
-              <a:rPr lang="en-US" smtClean="0"/>
+              <a:rPr lang="en-US"/>
               <a:t>Second level</a:t>
             </a:r>
           </a:p>
           <a:p>
             <a:pPr lvl="2"/>
             <a:r>
-              <a:rPr lang="en-US" smtClean="0"/>
+              <a:rPr lang="en-US"/>
               <a:t>Third level</a:t>
             </a:r>
           </a:p>
           <a:p>
             <a:pPr lvl="3"/>
             <a:r>
-              <a:rPr lang="en-US" smtClean="0"/>
+              <a:rPr lang="en-US"/>
               <a:t>Fourth level</a:t>
             </a:r>
           </a:p>
           <a:p>
             <a:pPr lvl="4"/>
             <a:r>
-              <a:rPr lang="en-US" smtClean="0"/>
+              <a:rPr lang="en-US"/>
               <a:t>Fifth level</a:t>
             </a:r>
-            <a:endParaRPr lang="en-US"/>
           </a:p>
         </p:txBody>
       </p:sp>
@@ -1511,7 +1522,7 @@
           <a:p>
             <a:fld id="{2BFB4C1B-4AF0-4F5F-911F-2B9F5E053C60}" type="datetimeFigureOut">
               <a:rPr lang="en-IN" smtClean="0"/>
-              <a:t>14-06-2019</a:t>
+              <a:t>15-06-2019</a:t>
             </a:fld>
             <a:endParaRPr lang="en-IN"/>
           </a:p>
@@ -1604,7 +1615,7 @@
           </a:lstStyle>
           <a:p>
             <a:r>
-              <a:rPr lang="en-US" smtClean="0"/>
+              <a:rPr lang="en-US"/>
               <a:t>Click to edit Master title style</a:t>
             </a:r>
             <a:endParaRPr lang="en-US" dirty="0"/>
@@ -1674,7 +1685,7 @@
           <a:p>
             <a:pPr lvl="0"/>
             <a:r>
-              <a:rPr lang="en-US" smtClean="0"/>
+              <a:rPr lang="en-US"/>
               <a:t>Click to edit Master text styles</a:t>
             </a:r>
           </a:p>
@@ -1730,35 +1741,35 @@
           <a:p>
             <a:pPr lvl="0"/>
             <a:r>
-              <a:rPr lang="en-US" smtClean="0"/>
+              <a:rPr lang="en-US"/>
               <a:t>Click to edit Master text styles</a:t>
             </a:r>
           </a:p>
           <a:p>
             <a:pPr lvl="1"/>
             <a:r>
-              <a:rPr lang="en-US" smtClean="0"/>
+              <a:rPr lang="en-US"/>
               <a:t>Second level</a:t>
             </a:r>
           </a:p>
           <a:p>
             <a:pPr lvl="2"/>
             <a:r>
-              <a:rPr lang="en-US" smtClean="0"/>
+              <a:rPr lang="en-US"/>
               <a:t>Third level</a:t>
             </a:r>
           </a:p>
           <a:p>
             <a:pPr lvl="3"/>
             <a:r>
-              <a:rPr lang="en-US" smtClean="0"/>
+              <a:rPr lang="en-US"/>
               <a:t>Fourth level</a:t>
             </a:r>
           </a:p>
           <a:p>
             <a:pPr lvl="4"/>
             <a:r>
-              <a:rPr lang="en-US" smtClean="0"/>
+              <a:rPr lang="en-US"/>
               <a:t>Fifth level</a:t>
             </a:r>
             <a:endParaRPr lang="en-US" dirty="0"/>
@@ -1828,7 +1839,7 @@
           <a:p>
             <a:pPr lvl="0"/>
             <a:r>
-              <a:rPr lang="en-US" smtClean="0"/>
+              <a:rPr lang="en-US"/>
               <a:t>Click to edit Master text styles</a:t>
             </a:r>
           </a:p>
@@ -1884,38 +1895,37 @@
           <a:p>
             <a:pPr lvl="0"/>
             <a:r>
-              <a:rPr lang="en-US" smtClean="0"/>
+              <a:rPr lang="en-US"/>
               <a:t>Click to edit Master text styles</a:t>
             </a:r>
           </a:p>
           <a:p>
             <a:pPr lvl="1"/>
             <a:r>
-              <a:rPr lang="en-US" smtClean="0"/>
+              <a:rPr lang="en-US"/>
               <a:t>Second level</a:t>
             </a:r>
           </a:p>
           <a:p>
             <a:pPr lvl="2"/>
             <a:r>
-              <a:rPr lang="en-US" smtClean="0"/>
+              <a:rPr lang="en-US"/>
               <a:t>Third level</a:t>
             </a:r>
           </a:p>
           <a:p>
             <a:pPr lvl="3"/>
             <a:r>
-              <a:rPr lang="en-US" smtClean="0"/>
+              <a:rPr lang="en-US"/>
               <a:t>Fourth level</a:t>
             </a:r>
           </a:p>
           <a:p>
             <a:pPr lvl="4"/>
             <a:r>
-              <a:rPr lang="en-US" smtClean="0"/>
+              <a:rPr lang="en-US"/>
               <a:t>Fifth level</a:t>
             </a:r>
-            <a:endParaRPr lang="en-US"/>
           </a:p>
         </p:txBody>
       </p:sp>
@@ -1936,7 +1946,7 @@
           <a:p>
             <a:fld id="{2BFB4C1B-4AF0-4F5F-911F-2B9F5E053C60}" type="datetimeFigureOut">
               <a:rPr lang="en-IN" smtClean="0"/>
-              <a:t>14-06-2019</a:t>
+              <a:t>15-06-2019</a:t>
             </a:fld>
             <a:endParaRPr lang="en-IN"/>
           </a:p>
@@ -2085,7 +2095,7 @@
           <a:lstStyle/>
           <a:p>
             <a:r>
-              <a:rPr lang="en-US" smtClean="0"/>
+              <a:rPr lang="en-US"/>
               <a:t>Click to edit Master title style</a:t>
             </a:r>
             <a:endParaRPr lang="en-US" dirty="0"/>
@@ -2109,7 +2119,7 @@
           <a:p>
             <a:fld id="{2BFB4C1B-4AF0-4F5F-911F-2B9F5E053C60}" type="datetimeFigureOut">
               <a:rPr lang="en-IN" smtClean="0"/>
-              <a:t>14-06-2019</a:t>
+              <a:t>15-06-2019</a:t>
             </a:fld>
             <a:endParaRPr lang="en-IN"/>
           </a:p>
@@ -2199,7 +2209,7 @@
           <a:p>
             <a:fld id="{2BFB4C1B-4AF0-4F5F-911F-2B9F5E053C60}" type="datetimeFigureOut">
               <a:rPr lang="en-IN" smtClean="0"/>
-              <a:t>14-06-2019</a:t>
+              <a:t>15-06-2019</a:t>
             </a:fld>
             <a:endParaRPr lang="en-IN"/>
           </a:p>
@@ -2299,10 +2309,9 @@
           </a:lstStyle>
           <a:p>
             <a:r>
-              <a:rPr lang="en-US" smtClean="0"/>
+              <a:rPr lang="en-US"/>
               <a:t>Click to edit Master title style</a:t>
             </a:r>
-            <a:endParaRPr lang="en-US"/>
           </a:p>
         </p:txBody>
       </p:sp>
@@ -2356,35 +2365,35 @@
           <a:p>
             <a:pPr lvl="0"/>
             <a:r>
-              <a:rPr lang="en-US" smtClean="0"/>
+              <a:rPr lang="en-US"/>
               <a:t>Click to edit Master text styles</a:t>
             </a:r>
           </a:p>
           <a:p>
             <a:pPr lvl="1"/>
             <a:r>
-              <a:rPr lang="en-US" smtClean="0"/>
+              <a:rPr lang="en-US"/>
               <a:t>Second level</a:t>
             </a:r>
           </a:p>
           <a:p>
             <a:pPr lvl="2"/>
             <a:r>
-              <a:rPr lang="en-US" smtClean="0"/>
+              <a:rPr lang="en-US"/>
               <a:t>Third level</a:t>
             </a:r>
           </a:p>
           <a:p>
             <a:pPr lvl="3"/>
             <a:r>
-              <a:rPr lang="en-US" smtClean="0"/>
+              <a:rPr lang="en-US"/>
               <a:t>Fourth level</a:t>
             </a:r>
           </a:p>
           <a:p>
             <a:pPr lvl="4"/>
             <a:r>
-              <a:rPr lang="en-US" smtClean="0"/>
+              <a:rPr lang="en-US"/>
               <a:t>Fifth level</a:t>
             </a:r>
             <a:endParaRPr lang="en-US" dirty="0"/>
@@ -2456,7 +2465,7 @@
           <a:p>
             <a:pPr lvl="0"/>
             <a:r>
-              <a:rPr lang="en-US" smtClean="0"/>
+              <a:rPr lang="en-US"/>
               <a:t>Click to edit Master text styles</a:t>
             </a:r>
           </a:p>
@@ -2479,7 +2488,7 @@
           <a:p>
             <a:fld id="{2BFB4C1B-4AF0-4F5F-911F-2B9F5E053C60}" type="datetimeFigureOut">
               <a:rPr lang="en-IN" smtClean="0"/>
-              <a:t>14-06-2019</a:t>
+              <a:t>15-06-2019</a:t>
             </a:fld>
             <a:endParaRPr lang="en-IN"/>
           </a:p>
@@ -2617,7 +2626,7 @@
           </a:lstStyle>
           <a:p>
             <a:r>
-              <a:rPr lang="en-US" smtClean="0"/>
+              <a:rPr lang="en-US"/>
               <a:t>Click to edit Master title style</a:t>
             </a:r>
             <a:endParaRPr lang="en-US" dirty="0"/>
@@ -2687,10 +2696,9 @@
           </a:lstStyle>
           <a:p>
             <a:r>
-              <a:rPr lang="en-US" smtClean="0"/>
+              <a:rPr lang="en-US"/>
               <a:t>Click icon to add picture</a:t>
             </a:r>
-            <a:endParaRPr lang="en-US"/>
           </a:p>
         </p:txBody>
       </p:sp>
@@ -2755,7 +2763,7 @@
           <a:p>
             <a:pPr lvl="0"/>
             <a:r>
-              <a:rPr lang="en-US" smtClean="0"/>
+              <a:rPr lang="en-US"/>
               <a:t>Click to edit Master text styles</a:t>
             </a:r>
           </a:p>
@@ -2778,7 +2786,7 @@
           <a:p>
             <a:fld id="{2BFB4C1B-4AF0-4F5F-911F-2B9F5E053C60}" type="datetimeFigureOut">
               <a:rPr lang="en-IN" smtClean="0"/>
-              <a:t>14-06-2019</a:t>
+              <a:t>15-06-2019</a:t>
             </a:fld>
             <a:endParaRPr lang="en-IN"/>
           </a:p>
@@ -2882,7 +2890,7 @@
           <a:lstStyle/>
           <a:p>
             <a:r>
-              <a:rPr lang="en-US" smtClean="0"/>
+              <a:rPr lang="en-US"/>
               <a:t>Click to edit Master title style</a:t>
             </a:r>
             <a:endParaRPr lang="en-US" dirty="0"/>
@@ -2916,35 +2924,35 @@
           <a:p>
             <a:pPr lvl="0"/>
             <a:r>
-              <a:rPr lang="en-US" smtClean="0"/>
+              <a:rPr lang="en-US"/>
               <a:t>Click to edit Master text styles</a:t>
             </a:r>
           </a:p>
           <a:p>
             <a:pPr lvl="1"/>
             <a:r>
-              <a:rPr lang="en-US" smtClean="0"/>
+              <a:rPr lang="en-US"/>
               <a:t>Second level</a:t>
             </a:r>
           </a:p>
           <a:p>
             <a:pPr lvl="2"/>
             <a:r>
-              <a:rPr lang="en-US" smtClean="0"/>
+              <a:rPr lang="en-US"/>
               <a:t>Third level</a:t>
             </a:r>
           </a:p>
           <a:p>
             <a:pPr lvl="3"/>
             <a:r>
-              <a:rPr lang="en-US" smtClean="0"/>
+              <a:rPr lang="en-US"/>
               <a:t>Fourth level</a:t>
             </a:r>
           </a:p>
           <a:p>
             <a:pPr lvl="4"/>
             <a:r>
-              <a:rPr lang="en-US" smtClean="0"/>
+              <a:rPr lang="en-US"/>
               <a:t>Fifth level</a:t>
             </a:r>
             <a:endParaRPr lang="en-US" dirty="0"/>
@@ -2988,7 +2996,7 @@
           <a:p>
             <a:fld id="{2BFB4C1B-4AF0-4F5F-911F-2B9F5E053C60}" type="datetimeFigureOut">
               <a:rPr lang="en-IN" smtClean="0"/>
-              <a:t>14-06-2019</a:t>
+              <a:t>15-06-2019</a:t>
             </a:fld>
             <a:endParaRPr lang="en-IN"/>
           </a:p>
@@ -3565,8 +3573,8 @@
         </p:nvSpPr>
         <p:spPr>
           <a:xfrm>
-            <a:off x="803147" y="1022113"/>
-            <a:ext cx="7488832" cy="707886"/>
+            <a:off x="755576" y="1022113"/>
+            <a:ext cx="7776863" cy="707886"/>
           </a:xfrm>
           <a:prstGeom prst="rect">
             <a:avLst/>
@@ -3580,7 +3588,7 @@
           <a:lstStyle/>
           <a:p>
             <a:r>
-              <a:rPr lang="en-US" sz="4000" b="1" dirty="0" err="1" smtClean="0">
+              <a:rPr lang="en-US" sz="4000" b="1" dirty="0">
                 <a:effectLst>
                   <a:outerShdw blurRad="38100" dist="38100" dir="2700000" algn="tl">
                     <a:srgbClr val="000000">
@@ -3589,19 +3597,7 @@
                   </a:outerShdw>
                 </a:effectLst>
               </a:rPr>
-              <a:t>IoT</a:t>
-            </a:r>
-            <a:r>
-              <a:rPr lang="en-US" sz="4000" b="1" dirty="0" smtClean="0">
-                <a:effectLst>
-                  <a:outerShdw blurRad="38100" dist="38100" dir="2700000" algn="tl">
-                    <a:srgbClr val="000000">
-                      <a:alpha val="43137"/>
-                    </a:srgbClr>
-                  </a:outerShdw>
-                </a:effectLst>
-              </a:rPr>
-              <a:t> Enabled Smart Poultry Farm</a:t>
+              <a:t>IOT Enabled Smart Poultry Farm</a:t>
             </a:r>
             <a:endParaRPr lang="en-IN" sz="4000" b="1" dirty="0">
               <a:effectLst>
@@ -3625,13 +3621,6 @@
   <p:clrMapOvr>
     <a:masterClrMapping/>
   </p:clrMapOvr>
-  <p:timing>
-    <p:tnLst>
-      <p:par>
-        <p:cTn id="1" dur="indefinite" restart="never" nodeType="tmRoot"/>
-      </p:par>
-    </p:tnLst>
-  </p:timing>
 </p:sld>
 </file>
 
@@ -3703,13 +3692,6 @@
   <p:clrMapOvr>
     <a:masterClrMapping/>
   </p:clrMapOvr>
-  <p:timing>
-    <p:tnLst>
-      <p:par>
-        <p:cTn id="1" dur="indefinite" restart="never" nodeType="tmRoot"/>
-      </p:par>
-    </p:tnLst>
-  </p:timing>
 </p:sld>
 </file>
 
@@ -3738,7 +3720,7 @@
         </p:nvSpPr>
         <p:spPr>
           <a:xfrm>
-            <a:off x="395536" y="1204297"/>
+            <a:off x="395536" y="1398255"/>
             <a:ext cx="8280920" cy="2246769"/>
           </a:xfrm>
           <a:prstGeom prst="rect">
@@ -3795,16 +3777,10 @@
               <a:buChar char="•"/>
             </a:pPr>
             <a:r>
-              <a:rPr lang="en-US" sz="2000" dirty="0" smtClean="0">
-                <a:cs typeface="Comic Sans MS" panose="030F0702030302020204" charset="0"/>
-              </a:rPr>
-              <a:t>It </a:t>
-            </a:r>
-            <a:r>
               <a:rPr lang="en-US" sz="2000" dirty="0">
                 <a:cs typeface="Comic Sans MS" panose="030F0702030302020204" charset="0"/>
               </a:rPr>
-              <a:t>provides quicker and accurate information about different parameters to farmers.</a:t>
+              <a:t>It provides quicker and accurate information about different parameters to farmers.</a:t>
             </a:r>
           </a:p>
           <a:p>
@@ -3822,26 +3798,11 @@
               <a:buChar char="•"/>
             </a:pPr>
             <a:r>
-              <a:rPr lang="en-US" sz="2000" dirty="0" smtClean="0">
-                <a:cs typeface="Comic Sans MS" panose="030F0702030302020204" charset="0"/>
-              </a:rPr>
-              <a:t>This </a:t>
-            </a:r>
-            <a:r>
               <a:rPr lang="en-US" sz="2000" dirty="0">
                 <a:cs typeface="Comic Sans MS" panose="030F0702030302020204" charset="0"/>
               </a:rPr>
-              <a:t>System replaces traditional farm into an intelligent farm</a:t>
-            </a:r>
-            <a:r>
-              <a:rPr lang="en-US" sz="2000" dirty="0" smtClean="0">
-                <a:cs typeface="Comic Sans MS" panose="030F0702030302020204" charset="0"/>
-              </a:rPr>
-              <a:t>.</a:t>
-            </a:r>
-            <a:endParaRPr lang="en-US" sz="2000" dirty="0">
-              <a:cs typeface="Comic Sans MS" panose="030F0702030302020204" charset="0"/>
-            </a:endParaRPr>
+              <a:t>This System replaces traditional farm into an intelligent farm.</a:t>
+            </a:r>
           </a:p>
         </p:txBody>
       </p:sp>
@@ -3868,10 +3829,67 @@
           <a:lstStyle/>
           <a:p>
             <a:r>
-              <a:rPr lang="en-IN" sz="3200" u="sng" dirty="0" smtClean="0"/>
+              <a:rPr lang="en-IN" sz="3200" u="sng" dirty="0"/>
               <a:t>Advantages and Disadvantages</a:t>
             </a:r>
-            <a:endParaRPr lang="en-IN" sz="3200" u="sng" dirty="0"/>
+          </a:p>
+        </p:txBody>
+      </p:sp>
+      <p:sp>
+        <p:nvSpPr>
+          <p:cNvPr id="4" name="TextBox 3"/>
+          <p:cNvSpPr txBox="1"/>
+          <p:nvPr/>
+        </p:nvSpPr>
+        <p:spPr>
+          <a:xfrm>
+            <a:off x="431540" y="4293096"/>
+            <a:ext cx="8208912" cy="1015663"/>
+          </a:xfrm>
+          <a:prstGeom prst="rect">
+            <a:avLst/>
+          </a:prstGeom>
+          <a:noFill/>
+          <a:ln>
+            <a:solidFill>
+              <a:schemeClr val="accent6">
+                <a:lumMod val="60000"/>
+                <a:lumOff val="40000"/>
+              </a:schemeClr>
+            </a:solidFill>
+          </a:ln>
+        </p:spPr>
+        <p:txBody>
+          <a:bodyPr wrap="square" rtlCol="0">
+            <a:spAutoFit/>
+          </a:bodyPr>
+          <a:lstStyle/>
+          <a:p>
+            <a:pPr marL="342900" indent="-342900">
+              <a:buFont typeface="Arial" pitchFamily="34" charset="0"/>
+              <a:buChar char="•"/>
+            </a:pPr>
+            <a:r>
+              <a:rPr lang="en-IN" sz="2000" dirty="0"/>
+              <a:t>We need to manually Switch On the Exhaust Fan</a:t>
+            </a:r>
+          </a:p>
+          <a:p>
+            <a:pPr marL="342900" indent="-342900">
+              <a:buFont typeface="Arial" pitchFamily="34" charset="0"/>
+              <a:buChar char="•"/>
+            </a:pPr>
+            <a:endParaRPr lang="en-IN" sz="2000" dirty="0"/>
+          </a:p>
+          <a:p>
+            <a:pPr marL="342900" indent="-342900">
+              <a:buFont typeface="Arial" pitchFamily="34" charset="0"/>
+              <a:buChar char="•"/>
+            </a:pPr>
+            <a:r>
+              <a:rPr lang="en-IN" sz="2000" dirty="0"/>
+              <a:t>The Amount of Food Consumed is not Measured </a:t>
+            </a:r>
           </a:p>
         </p:txBody>
       </p:sp>
@@ -3885,13 +3903,6 @@
   <p:clrMapOvr>
     <a:masterClrMapping/>
   </p:clrMapOvr>
-  <p:timing>
-    <p:tnLst>
-      <p:par>
-        <p:cTn id="1" dur="indefinite" restart="never" nodeType="tmRoot"/>
-      </p:par>
-    </p:tnLst>
-  </p:timing>
 </p:sld>
 </file>
 
@@ -3939,21 +3950,21 @@
               <a:buChar char="•"/>
             </a:pPr>
             <a:r>
-              <a:rPr lang="en-US" sz="2000" dirty="0" smtClean="0">
+              <a:rPr lang="en-US" sz="2000" dirty="0">
                 <a:cs typeface="Comic Sans MS" panose="030F0702030302020204" charset="0"/>
                 <a:sym typeface="+mn-ea"/>
               </a:rPr>
               <a:t>Monitoring environmental parameters in a real time industry are crucial , but this can be done using </a:t>
             </a:r>
             <a:r>
-              <a:rPr lang="en-US" sz="2000" dirty="0" err="1" smtClean="0">
+              <a:rPr lang="en-US" sz="2000" dirty="0" err="1">
                 <a:cs typeface="Comic Sans MS" panose="030F0702030302020204" charset="0"/>
                 <a:sym typeface="+mn-ea"/>
               </a:rPr>
               <a:t>IoT</a:t>
             </a:r>
             <a:r>
-              <a:rPr lang="en-US" sz="2000" dirty="0" smtClean="0">
+              <a:rPr lang="en-US" sz="2000" dirty="0">
                 <a:cs typeface="Comic Sans MS" panose="030F0702030302020204" charset="0"/>
                 <a:sym typeface="+mn-ea"/>
               </a:rPr>
@@ -3965,7 +3976,7 @@
               <a:buFont typeface="Arial" pitchFamily="34" charset="0"/>
               <a:buChar char="•"/>
             </a:pPr>
-            <a:endParaRPr lang="en-US" sz="2000" dirty="0" smtClean="0">
+            <a:endParaRPr lang="en-US" sz="2000" dirty="0">
               <a:cs typeface="Comic Sans MS" panose="030F0702030302020204" charset="0"/>
             </a:endParaRPr>
           </a:p>
@@ -3975,7 +3986,7 @@
               <a:buChar char="•"/>
             </a:pPr>
             <a:r>
-              <a:rPr lang="en-US" sz="2000" dirty="0" smtClean="0">
+              <a:rPr lang="en-US" sz="2000" dirty="0">
                 <a:cs typeface="Comic Sans MS" panose="030F0702030302020204" charset="0"/>
                 <a:sym typeface="+mn-ea"/>
               </a:rPr>
@@ -3987,7 +3998,7 @@
               <a:buFont typeface="Arial" pitchFamily="34" charset="0"/>
               <a:buChar char="•"/>
             </a:pPr>
-            <a:endParaRPr lang="en-US" sz="2000" dirty="0" smtClean="0">
+            <a:endParaRPr lang="en-US" sz="2000" dirty="0">
               <a:cs typeface="Comic Sans MS" panose="030F0702030302020204" charset="0"/>
             </a:endParaRPr>
           </a:p>
@@ -3997,7 +4008,7 @@
               <a:buChar char="•"/>
             </a:pPr>
             <a:r>
-              <a:rPr lang="en-US" sz="2000" dirty="0" smtClean="0">
+              <a:rPr lang="en-US" sz="2000" dirty="0">
                 <a:cs typeface="Comic Sans MS" panose="030F0702030302020204" charset="0"/>
                 <a:sym typeface="+mn-ea"/>
               </a:rPr>
@@ -4009,7 +4020,7 @@
               <a:buFont typeface="Arial" pitchFamily="34" charset="0"/>
               <a:buChar char="•"/>
             </a:pPr>
-            <a:endParaRPr lang="en-US" sz="2000" dirty="0" smtClean="0">
+            <a:endParaRPr lang="en-US" sz="2000" dirty="0">
               <a:cs typeface="Comic Sans MS" panose="030F0702030302020204" charset="0"/>
             </a:endParaRPr>
           </a:p>
@@ -4019,13 +4030,13 @@
               <a:buChar char="•"/>
             </a:pPr>
             <a:r>
-              <a:rPr lang="en-US" sz="2000" dirty="0" smtClean="0">
+              <a:rPr lang="en-US" sz="2000" dirty="0">
                 <a:cs typeface="Comic Sans MS" panose="030F0702030302020204" charset="0"/>
                 <a:sym typeface="+mn-ea"/>
               </a:rPr>
               <a:t>This will improve productivity and quality of chickens in poultry farming. In the future advanced IOT based technologies should be use for monitoring and controlling health related parameters of chicken to improve quality and productivity of chickens.</a:t>
             </a:r>
-            <a:endParaRPr lang="en-US" sz="2000" dirty="0" smtClean="0">
+            <a:endParaRPr lang="en-US" sz="2000" dirty="0">
               <a:cs typeface="Comic Sans MS" panose="030F0702030302020204" charset="0"/>
             </a:endParaRPr>
           </a:p>
@@ -4057,10 +4068,9 @@
           <a:lstStyle/>
           <a:p>
             <a:r>
-              <a:rPr lang="en-IN" sz="3200" u="sng" dirty="0" smtClean="0"/>
+              <a:rPr lang="en-IN" sz="3200" u="sng" dirty="0"/>
               <a:t>Conclusion</a:t>
             </a:r>
-            <a:endParaRPr lang="en-IN" sz="3200" u="sng" dirty="0"/>
           </a:p>
         </p:txBody>
       </p:sp>
@@ -4074,13 +4084,163 @@
   <p:clrMapOvr>
     <a:masterClrMapping/>
   </p:clrMapOvr>
-  <p:timing>
-    <p:tnLst>
-      <p:par>
-        <p:cTn id="1" dur="indefinite" restart="never" nodeType="tmRoot"/>
-      </p:par>
-    </p:tnLst>
-  </p:timing>
+</p:sld>
+</file>
+
+<file path=ppt/slides/slide13.xml><?xml version="1.0" encoding="utf-8"?>
+<p:sld xmlns:a="http://schemas.openxmlformats.org/drawingml/2006/main" xmlns:r="http://schemas.openxmlformats.org/officeDocument/2006/relationships" xmlns:p="http://schemas.openxmlformats.org/presentationml/2006/main">
+  <p:cSld>
+    <p:spTree>
+      <p:nvGrpSpPr>
+        <p:cNvPr id="1" name=""/>
+        <p:cNvGrpSpPr/>
+        <p:nvPr/>
+      </p:nvGrpSpPr>
+      <p:grpSpPr>
+        <a:xfrm>
+          <a:off x="0" y="0"/>
+          <a:ext cx="0" cy="0"/>
+          <a:chOff x="0" y="0"/>
+          <a:chExt cx="0" cy="0"/>
+        </a:xfrm>
+      </p:grpSpPr>
+      <p:sp>
+        <p:nvSpPr>
+          <p:cNvPr id="3" name="TextBox 2">
+            <a:extLst>
+              <a:ext uri="{FF2B5EF4-FFF2-40B4-BE49-F238E27FC236}">
+                <a16:creationId xmlns:a16="http://schemas.microsoft.com/office/drawing/2014/main" id="{F57EC660-DA37-42CE-AC06-FA9BB32766AC}"/>
+              </a:ext>
+            </a:extLst>
+          </p:cNvPr>
+          <p:cNvSpPr txBox="1"/>
+          <p:nvPr/>
+        </p:nvSpPr>
+        <p:spPr>
+          <a:xfrm>
+            <a:off x="3023320" y="4077072"/>
+            <a:ext cx="6120680" cy="2308324"/>
+          </a:xfrm>
+          <a:prstGeom prst="rect">
+            <a:avLst/>
+          </a:prstGeom>
+          <a:noFill/>
+        </p:spPr>
+        <p:txBody>
+          <a:bodyPr wrap="square" rtlCol="0">
+            <a:spAutoFit/>
+          </a:bodyPr>
+          <a:lstStyle/>
+          <a:p>
+            <a:r>
+              <a:rPr lang="en-US" sz="2400" dirty="0"/>
+              <a:t>	Team :- 	</a:t>
+            </a:r>
+            <a:r>
+              <a:rPr lang="en-US" sz="2400" u="sng" dirty="0"/>
+              <a:t>Anonymous</a:t>
+            </a:r>
+          </a:p>
+          <a:p>
+            <a:endParaRPr lang="en-US" sz="2400" u="sng" dirty="0"/>
+          </a:p>
+          <a:p>
+            <a:r>
+              <a:rPr lang="en-US" sz="2400" dirty="0"/>
+              <a:t>Team Members :-	Kevin Joe Ronin</a:t>
+            </a:r>
+          </a:p>
+          <a:p>
+            <a:r>
+              <a:rPr lang="en-US" sz="2400" dirty="0"/>
+              <a:t>			Praneetha Tummala</a:t>
+            </a:r>
+          </a:p>
+          <a:p>
+            <a:r>
+              <a:rPr lang="en-US" sz="2400" dirty="0"/>
+              <a:t>			Pavithra </a:t>
+            </a:r>
+            <a:r>
+              <a:rPr lang="en-US" sz="2400" dirty="0" err="1"/>
+              <a:t>Hosallikar</a:t>
+            </a:r>
+            <a:endParaRPr lang="en-US" sz="2400" dirty="0"/>
+          </a:p>
+          <a:p>
+            <a:endParaRPr lang="en-IN" sz="2400" dirty="0"/>
+          </a:p>
+        </p:txBody>
+      </p:sp>
+      <p:sp>
+        <p:nvSpPr>
+          <p:cNvPr id="4" name="Rectangle 3">
+            <a:extLst>
+              <a:ext uri="{FF2B5EF4-FFF2-40B4-BE49-F238E27FC236}">
+                <a16:creationId xmlns:a16="http://schemas.microsoft.com/office/drawing/2014/main" id="{9C8F0B15-9920-40F3-8C18-7A52EF1CEE6D}"/>
+              </a:ext>
+            </a:extLst>
+          </p:cNvPr>
+          <p:cNvSpPr/>
+          <p:nvPr/>
+        </p:nvSpPr>
+        <p:spPr>
+          <a:xfrm>
+            <a:off x="2060479" y="1844824"/>
+            <a:ext cx="5023042" cy="1323439"/>
+          </a:xfrm>
+          <a:prstGeom prst="rect">
+            <a:avLst/>
+          </a:prstGeom>
+          <a:noFill/>
+        </p:spPr>
+        <p:txBody>
+          <a:bodyPr wrap="none" lIns="91440" tIns="45720" rIns="91440" bIns="45720">
+            <a:spAutoFit/>
+          </a:bodyPr>
+          <a:lstStyle/>
+          <a:p>
+            <a:pPr algn="ctr"/>
+            <a:r>
+              <a:rPr lang="en-US" sz="8000" b="1" u="sng" cap="none" spc="0" dirty="0">
+                <a:ln/>
+                <a:pattFill prst="dkUpDiag">
+                  <a:fgClr>
+                    <a:schemeClr val="bg1">
+                      <a:lumMod val="50000"/>
+                    </a:schemeClr>
+                  </a:fgClr>
+                  <a:bgClr>
+                    <a:schemeClr val="tx1">
+                      <a:lumMod val="75000"/>
+                      <a:lumOff val="25000"/>
+                    </a:schemeClr>
+                  </a:bgClr>
+                </a:pattFill>
+                <a:effectLst>
+                  <a:outerShdw blurRad="38100" dist="19050" dir="2700000" algn="tl" rotWithShape="0">
+                    <a:schemeClr val="dk1">
+                      <a:lumMod val="50000"/>
+                      <a:alpha val="40000"/>
+                    </a:schemeClr>
+                  </a:outerShdw>
+                </a:effectLst>
+              </a:rPr>
+              <a:t>Thank You</a:t>
+            </a:r>
+          </a:p>
+        </p:txBody>
+      </p:sp>
+    </p:spTree>
+    <p:extLst>
+      <p:ext uri="{BB962C8B-B14F-4D97-AF65-F5344CB8AC3E}">
+        <p14:creationId xmlns:p14="http://schemas.microsoft.com/office/powerpoint/2010/main" val="3163191198"/>
+      </p:ext>
+    </p:extLst>
+  </p:cSld>
+  <p:clrMapOvr>
+    <a:masterClrMapping/>
+  </p:clrMapOvr>
 </p:sld>
 </file>
 
@@ -4128,7 +4288,7 @@
               <a:buChar char="•"/>
             </a:pPr>
             <a:r>
-              <a:rPr lang="en-US" sz="3200" dirty="0" smtClean="0">
+              <a:rPr lang="en-US" sz="3200" dirty="0">
                 <a:cs typeface="Segoe Script" panose="030B0504020000000003" charset="0"/>
               </a:rPr>
               <a:t>Introduction</a:t>
@@ -4139,7 +4299,7 @@
               <a:buFont typeface="Arial" pitchFamily="34" charset="0"/>
               <a:buChar char="•"/>
             </a:pPr>
-            <a:endParaRPr lang="en-US" sz="3200" dirty="0" smtClean="0">
+            <a:endParaRPr lang="en-US" sz="3200" dirty="0">
               <a:cs typeface="Segoe Script" panose="030B0504020000000003" charset="0"/>
             </a:endParaRPr>
           </a:p>
@@ -4149,22 +4309,10 @@
               <a:buChar char="•"/>
             </a:pPr>
             <a:r>
-              <a:rPr lang="en-US" sz="3200" dirty="0" smtClean="0">
+              <a:rPr lang="en-US" sz="3200" dirty="0">
                 <a:cs typeface="Segoe Script" panose="030B0504020000000003" charset="0"/>
               </a:rPr>
-              <a:t>Use of </a:t>
-            </a:r>
-            <a:r>
-              <a:rPr lang="en-US" sz="3200" dirty="0" err="1" smtClean="0">
-                <a:cs typeface="Segoe Script" panose="030B0504020000000003" charset="0"/>
-              </a:rPr>
-              <a:t>IoT</a:t>
-            </a:r>
-            <a:r>
-              <a:rPr lang="en-US" sz="3200" dirty="0" smtClean="0">
-                <a:cs typeface="Segoe Script" panose="030B0504020000000003" charset="0"/>
-              </a:rPr>
-              <a:t> in Poultry Farm</a:t>
+              <a:t>Use of IOT in Poultry Farm</a:t>
             </a:r>
           </a:p>
           <a:p>
@@ -4172,7 +4320,7 @@
               <a:buFont typeface="Arial" pitchFamily="34" charset="0"/>
               <a:buChar char="•"/>
             </a:pPr>
-            <a:endParaRPr lang="en-US" sz="3200" dirty="0" smtClean="0">
+            <a:endParaRPr lang="en-US" sz="3200" dirty="0">
               <a:cs typeface="Segoe Script" panose="030B0504020000000003" charset="0"/>
             </a:endParaRPr>
           </a:p>
@@ -4182,7 +4330,7 @@
               <a:buChar char="•"/>
             </a:pPr>
             <a:r>
-              <a:rPr lang="en-US" sz="3200" dirty="0" smtClean="0">
+              <a:rPr lang="en-US" sz="3200" dirty="0">
                 <a:cs typeface="Segoe Script" panose="030B0504020000000003" charset="0"/>
               </a:rPr>
               <a:t>Components Used</a:t>
@@ -4193,7 +4341,7 @@
               <a:buFont typeface="Arial" pitchFamily="34" charset="0"/>
               <a:buChar char="•"/>
             </a:pPr>
-            <a:endParaRPr lang="en-US" sz="3200" dirty="0" smtClean="0">
+            <a:endParaRPr lang="en-US" sz="3200" dirty="0">
               <a:cs typeface="Segoe Script" panose="030B0504020000000003" charset="0"/>
             </a:endParaRPr>
           </a:p>
@@ -4203,7 +4351,7 @@
               <a:buChar char="•"/>
             </a:pPr>
             <a:r>
-              <a:rPr lang="en-US" sz="3200" dirty="0" smtClean="0">
+              <a:rPr lang="en-US" sz="3200" dirty="0">
                 <a:cs typeface="Segoe Script" panose="030B0504020000000003" charset="0"/>
               </a:rPr>
               <a:t>Working Process</a:t>
@@ -4214,7 +4362,7 @@
               <a:buFont typeface="Arial" pitchFamily="34" charset="0"/>
               <a:buChar char="•"/>
             </a:pPr>
-            <a:endParaRPr lang="en-US" sz="3200" dirty="0" smtClean="0">
+            <a:endParaRPr lang="en-US" sz="3200" dirty="0">
               <a:cs typeface="Segoe Script" panose="030B0504020000000003" charset="0"/>
             </a:endParaRPr>
           </a:p>
@@ -4224,7 +4372,7 @@
               <a:buChar char="•"/>
             </a:pPr>
             <a:r>
-              <a:rPr lang="en-US" sz="3200" dirty="0" smtClean="0">
+              <a:rPr lang="en-US" sz="3200" dirty="0">
                 <a:cs typeface="Segoe Script" panose="030B0504020000000003" charset="0"/>
               </a:rPr>
               <a:t>Conclusion</a:t>
@@ -4258,7 +4406,7 @@
           <a:lstStyle/>
           <a:p>
             <a:r>
-              <a:rPr lang="en-US" sz="3600" u="sng" dirty="0" smtClean="0"/>
+              <a:rPr lang="en-US" sz="3600" u="sng" dirty="0"/>
               <a:t>Contents</a:t>
             </a:r>
             <a:endParaRPr lang="en-IN" sz="3600" u="sng" dirty="0"/>
@@ -4275,13 +4423,6 @@
   <p:clrMapOvr>
     <a:masterClrMapping/>
   </p:clrMapOvr>
-  <p:timing>
-    <p:tnLst>
-      <p:par>
-        <p:cTn id="1" dur="indefinite" restart="never" nodeType="tmRoot"/>
-      </p:par>
-    </p:tnLst>
-  </p:timing>
 </p:sld>
 </file>
 
@@ -4325,7 +4466,7 @@
           <a:lstStyle/>
           <a:p>
             <a:r>
-              <a:rPr lang="en-US" sz="3600" u="sng" dirty="0" smtClean="0"/>
+              <a:rPr lang="en-US" sz="3600" u="sng" dirty="0"/>
               <a:t>Introduction</a:t>
             </a:r>
             <a:endParaRPr lang="en-IN" sz="3600" u="sng" dirty="0"/>
@@ -4359,7 +4500,7 @@
               <a:buChar char="•"/>
             </a:pPr>
             <a:r>
-              <a:rPr lang="en-US" sz="2000" dirty="0" smtClean="0">
+              <a:rPr lang="en-US" sz="2000" dirty="0">
                 <a:cs typeface="Comic Sans MS" panose="030F0702030302020204" charset="0"/>
               </a:rPr>
               <a:t>Indian Poultry Industry is one of the fastest growing segment in agricultural sector today.</a:t>
@@ -4370,7 +4511,7 @@
               <a:buFont typeface="Arial" pitchFamily="34" charset="0"/>
               <a:buChar char="•"/>
             </a:pPr>
-            <a:endParaRPr lang="en-US" sz="2000" dirty="0" smtClean="0">
+            <a:endParaRPr lang="en-US" sz="2000" dirty="0">
               <a:cs typeface="Comic Sans MS" panose="030F0702030302020204" charset="0"/>
             </a:endParaRPr>
           </a:p>
@@ -4380,13 +4521,13 @@
               <a:buChar char="•"/>
             </a:pPr>
             <a:r>
-              <a:rPr lang="en-US" sz="2000" dirty="0" smtClean="0">
+              <a:rPr lang="en-US" sz="2000" dirty="0">
                 <a:cs typeface="Comic Sans MS" panose="030F0702030302020204" charset="0"/>
               </a:rPr>
               <a:t>The </a:t>
             </a:r>
             <a:r>
-              <a:rPr lang="en-US" sz="2000" dirty="0" smtClean="0">
+              <a:rPr lang="en-US" sz="2000" dirty="0">
                 <a:solidFill>
                   <a:schemeClr val="tx1"/>
                 </a:solidFill>
@@ -4396,14 +4537,14 @@
               <a:t>production </a:t>
             </a:r>
             <a:r>
-              <a:rPr lang="en-US" sz="2000" dirty="0" smtClean="0">
+              <a:rPr lang="en-US" sz="2000" dirty="0">
                 <a:cs typeface="Comic Sans MS" panose="030F0702030302020204" charset="0"/>
               </a:rPr>
               <a:t>of eggs and broilers has been raising at a rate of 8 to 10% per annum </a:t>
             </a:r>
           </a:p>
           <a:p>
-            <a:endParaRPr lang="en-US" sz="2000" dirty="0" smtClean="0">
+            <a:endParaRPr lang="en-US" sz="2000" dirty="0">
               <a:cs typeface="Comic Sans MS" panose="030F0702030302020204" charset="0"/>
             </a:endParaRPr>
           </a:p>
@@ -4413,7 +4554,7 @@
               <a:buChar char="•"/>
             </a:pPr>
             <a:r>
-              <a:rPr lang="en-US" sz="2000" dirty="0" smtClean="0">
+              <a:rPr lang="en-US" sz="2000" dirty="0">
                 <a:solidFill>
                   <a:schemeClr val="tx1"/>
                 </a:solidFill>
@@ -4428,7 +4569,7 @@
               <a:buFont typeface="Arial" pitchFamily="34" charset="0"/>
               <a:buChar char="•"/>
             </a:pPr>
-            <a:endParaRPr lang="en-US" sz="2000" dirty="0" smtClean="0">
+            <a:endParaRPr lang="en-US" sz="2000" dirty="0">
               <a:solidFill>
                 <a:schemeClr val="tx1"/>
               </a:solidFill>
@@ -4442,7 +4583,7 @@
               <a:buChar char="•"/>
             </a:pPr>
             <a:r>
-              <a:rPr lang="en-US" sz="2000" dirty="0" err="1" smtClean="0">
+              <a:rPr lang="en-US" sz="2000" dirty="0" err="1">
                 <a:solidFill>
                   <a:schemeClr val="tx1"/>
                 </a:solidFill>
@@ -4452,7 +4593,7 @@
               <a:t>Humidity,Temperature,Lighting,Ventilation</a:t>
             </a:r>
             <a:r>
-              <a:rPr lang="en-US" sz="2000" dirty="0" smtClean="0">
+              <a:rPr lang="en-US" sz="2000" dirty="0">
                 <a:solidFill>
                   <a:schemeClr val="tx1"/>
                 </a:solidFill>
@@ -4507,13 +4648,6 @@
   <p:clrMapOvr>
     <a:masterClrMapping/>
   </p:clrMapOvr>
-  <p:timing>
-    <p:tnLst>
-      <p:par>
-        <p:cTn id="1" dur="indefinite" restart="never" nodeType="tmRoot"/>
-      </p:par>
-    </p:tnLst>
-  </p:timing>
 </p:sld>
 </file>
 
@@ -4557,19 +4691,19 @@
           <a:lstStyle/>
           <a:p>
             <a:r>
-              <a:rPr lang="en-US" sz="2800" u="sng" dirty="0" smtClean="0">
+              <a:rPr lang="en-US" sz="2800" u="sng" dirty="0">
                 <a:cs typeface="Segoe Script" panose="030B0504020000000003" charset="0"/>
               </a:rPr>
               <a:t>Use of </a:t>
             </a:r>
             <a:r>
-              <a:rPr lang="en-US" sz="2800" u="sng" dirty="0" err="1" smtClean="0">
+              <a:rPr lang="en-US" sz="2800" u="sng" dirty="0" err="1">
                 <a:cs typeface="Segoe Script" panose="030B0504020000000003" charset="0"/>
               </a:rPr>
               <a:t>IoT</a:t>
             </a:r>
             <a:r>
-              <a:rPr lang="en-US" sz="2800" u="sng" dirty="0" smtClean="0">
+              <a:rPr lang="en-US" sz="2800" u="sng" dirty="0">
                 <a:cs typeface="Segoe Script" panose="030B0504020000000003" charset="0"/>
               </a:rPr>
               <a:t> in Poultry Farm</a:t>
@@ -4605,25 +4739,25 @@
               <a:buChar char="•"/>
             </a:pPr>
             <a:r>
-              <a:rPr lang="en-US" sz="2400" dirty="0" err="1" smtClean="0">
+              <a:rPr lang="en-US" sz="2400" dirty="0" err="1">
                 <a:sym typeface="+mn-ea"/>
               </a:rPr>
               <a:t>IoT</a:t>
             </a:r>
             <a:r>
-              <a:rPr lang="en-US" sz="2400" dirty="0" smtClean="0">
+              <a:rPr lang="en-US" sz="2400" dirty="0">
                 <a:sym typeface="+mn-ea"/>
               </a:rPr>
               <a:t> proposes the new model by using advanced modern technology to make traditional chicken farming smarter. Smart farm gives the environmental parameter statistics like temperature, humidity, smoke, weather condition etc.</a:t>
             </a:r>
           </a:p>
           <a:p>
-            <a:endParaRPr lang="en-US" sz="2400" dirty="0" smtClean="0">
+            <a:endParaRPr lang="en-US" sz="2400" dirty="0">
               <a:sym typeface="+mn-ea"/>
             </a:endParaRPr>
           </a:p>
           <a:p>
-            <a:endParaRPr lang="en-US" sz="2400" dirty="0" smtClean="0"/>
+            <a:endParaRPr lang="en-US" sz="2400" dirty="0"/>
           </a:p>
           <a:p>
             <a:pPr marL="285750" indent="-285750">
@@ -4631,26 +4765,26 @@
               <a:buChar char="•"/>
             </a:pPr>
             <a:r>
-              <a:rPr lang="en-US" sz="2400" dirty="0" smtClean="0">
+              <a:rPr lang="en-US" sz="2400" dirty="0">
                 <a:sym typeface="+mn-ea"/>
               </a:rPr>
               <a:t>Poultry farm using </a:t>
             </a:r>
             <a:r>
-              <a:rPr lang="en-US" sz="2400" dirty="0" err="1" smtClean="0">
+              <a:rPr lang="en-US" sz="2400" dirty="0" err="1">
                 <a:sym typeface="+mn-ea"/>
               </a:rPr>
               <a:t>IoT</a:t>
             </a:r>
             <a:r>
-              <a:rPr lang="en-US" sz="2400" dirty="0" smtClean="0">
+              <a:rPr lang="en-US" sz="2400" dirty="0">
                 <a:sym typeface="+mn-ea"/>
               </a:rPr>
               <a:t> are design in such way that, environmental conditions can be altered by providing facilities like ventilation, cooling and lightening on rough, wall and floor.</a:t>
             </a:r>
           </a:p>
           <a:p>
-            <a:endParaRPr lang="en-US" sz="2400" dirty="0" smtClean="0"/>
+            <a:endParaRPr lang="en-US" sz="2400" dirty="0"/>
           </a:p>
           <a:p>
             <a:pPr marL="285750" indent="-285750">
@@ -4658,15 +4792,15 @@
               <a:buChar char="•"/>
             </a:pPr>
             <a:r>
-              <a:rPr lang="en-US" sz="2400" dirty="0" smtClean="0">
+              <a:rPr lang="en-US" sz="2400" dirty="0">
                 <a:sym typeface="+mn-ea"/>
               </a:rPr>
               <a:t>We can remotely monitor environmental parameters in the poultry farm and even water level in the tank.</a:t>
             </a:r>
-            <a:endParaRPr lang="en-US" sz="2400" dirty="0" smtClean="0"/>
-          </a:p>
-          <a:p>
-            <a:endParaRPr lang="en-US" dirty="0" smtClean="0"/>
+            <a:endParaRPr lang="en-US" sz="2400" dirty="0"/>
+          </a:p>
+          <a:p>
+            <a:endParaRPr lang="en-US" dirty="0"/>
           </a:p>
           <a:p>
             <a:endParaRPr lang="en-IN" dirty="0"/>
@@ -4683,13 +4817,6 @@
   <p:clrMapOvr>
     <a:masterClrMapping/>
   </p:clrMapOvr>
-  <p:timing>
-    <p:tnLst>
-      <p:par>
-        <p:cTn id="1" dur="indefinite" restart="never" nodeType="tmRoot"/>
-      </p:par>
-    </p:tnLst>
-  </p:timing>
 </p:sld>
 </file>
 
@@ -4733,7 +4860,7 @@
           <a:lstStyle/>
           <a:p>
             <a:r>
-              <a:rPr lang="en-US" sz="3200" u="sng" dirty="0" smtClean="0">
+              <a:rPr lang="en-US" sz="3200" u="sng" dirty="0">
                 <a:cs typeface="Segoe Script" panose="030B0504020000000003" charset="0"/>
               </a:rPr>
               <a:t>Hardware Components</a:t>
@@ -4765,56 +4892,26 @@
           <a:lstStyle/>
           <a:p>
             <a:pPr marL="342900" indent="-342900">
-              <a:buFont typeface="Arial" pitchFamily="34" charset="0"/>
-              <a:buChar char="•"/>
-            </a:pPr>
-            <a:r>
-              <a:rPr lang="en-US" sz="2000" dirty="0" err="1" smtClean="0">
+              <a:buClr>
+                <a:schemeClr val="tx1"/>
+              </a:buClr>
+              <a:buFont typeface="Arial" pitchFamily="34" charset="0"/>
+              <a:buChar char="•"/>
+            </a:pPr>
+            <a:r>
+              <a:rPr lang="en-US" sz="2000" dirty="0" err="1">
+                <a:solidFill>
+                  <a:srgbClr val="FF0000"/>
+                </a:solidFill>
                 <a:cs typeface="Comic Sans MS" panose="030F0702030302020204" charset="0"/>
               </a:rPr>
               <a:t>NodeMCU</a:t>
             </a:r>
             <a:r>
-              <a:rPr lang="en-US" sz="2000" dirty="0" smtClean="0">
-                <a:cs typeface="Comic Sans MS" panose="030F0702030302020204" charset="0"/>
-              </a:rPr>
-              <a:t> is an open source </a:t>
-            </a:r>
-            <a:r>
-              <a:rPr lang="en-US" sz="2000" dirty="0" err="1" smtClean="0">
-                <a:cs typeface="Comic Sans MS" panose="030F0702030302020204" charset="0"/>
-              </a:rPr>
-              <a:t>IoT</a:t>
-            </a:r>
-            <a:r>
-              <a:rPr lang="en-US" sz="2000" dirty="0" smtClean="0">
-                <a:cs typeface="Comic Sans MS" panose="030F0702030302020204" charset="0"/>
-              </a:rPr>
-              <a:t> platform which runs on the ESP8266Wi-Fi </a:t>
-            </a:r>
-            <a:r>
-              <a:rPr lang="en-US" sz="2000" dirty="0" err="1" smtClean="0">
-                <a:cs typeface="Comic Sans MS" panose="030F0702030302020204" charset="0"/>
-              </a:rPr>
-              <a:t>Soc</a:t>
-            </a:r>
-            <a:r>
-              <a:rPr lang="en-US" sz="2000" dirty="0" smtClean="0">
-                <a:cs typeface="Comic Sans MS" panose="030F0702030302020204" charset="0"/>
-              </a:rPr>
-              <a:t> from </a:t>
-            </a:r>
-            <a:r>
-              <a:rPr lang="en-US" sz="2000" dirty="0" err="1" smtClean="0">
-                <a:cs typeface="Comic Sans MS" panose="030F0702030302020204" charset="0"/>
-              </a:rPr>
-              <a:t>Expressif</a:t>
-            </a:r>
-            <a:r>
-              <a:rPr lang="en-US" sz="2000" dirty="0" smtClean="0">
-                <a:cs typeface="Comic Sans MS" panose="030F0702030302020204" charset="0"/>
-              </a:rPr>
-              <a:t> systems and hardware which is based on the ESP-12 module</a:t>
+              <a:rPr lang="en-US" sz="2000" dirty="0">
+                <a:cs typeface="Comic Sans MS" panose="030F0702030302020204" charset="0"/>
+              </a:rPr>
+              <a:t> is an open source IoT platform which runs on the ESP8266Wi-Fi Soc from Express if systems and hardware which is based on the ESP-12 module</a:t>
             </a:r>
           </a:p>
           <a:p>
@@ -4822,7 +4919,7 @@
               <a:buFont typeface="Arial" pitchFamily="34" charset="0"/>
               <a:buChar char="•"/>
             </a:pPr>
-            <a:endParaRPr lang="en-US" sz="2000" dirty="0" smtClean="0"/>
+            <a:endParaRPr lang="en-US" sz="2000" dirty="0"/>
           </a:p>
           <a:p>
             <a:pPr marL="285750" indent="-285750">
@@ -4830,10 +4927,28 @@
               <a:buChar char="•"/>
             </a:pPr>
             <a:r>
-              <a:rPr lang="en-US" sz="2000" dirty="0" smtClean="0">
-                <a:cs typeface="Comic Sans MS" panose="030F0702030302020204" charset="0"/>
-              </a:rPr>
-              <a:t>This DHT-11 temperature and humidity sensor features a calibrated digital signal output with the temperature and humidity sensor capability.</a:t>
+              <a:rPr lang="en-US" sz="2000" dirty="0">
+                <a:cs typeface="Comic Sans MS" panose="030F0702030302020204" charset="0"/>
+              </a:rPr>
+              <a:t>This </a:t>
+            </a:r>
+            <a:r>
+              <a:rPr lang="en-US" sz="2000" dirty="0">
+                <a:solidFill>
+                  <a:schemeClr val="accent1">
+                    <a:lumMod val="60000"/>
+                    <a:lumOff val="40000"/>
+                  </a:schemeClr>
+                </a:solidFill>
+                <a:cs typeface="Comic Sans MS" panose="030F0702030302020204" charset="0"/>
+              </a:rPr>
+              <a:t>DHT-11</a:t>
+            </a:r>
+            <a:r>
+              <a:rPr lang="en-US" sz="2000" dirty="0">
+                <a:cs typeface="Comic Sans MS" panose="030F0702030302020204" charset="0"/>
+              </a:rPr>
+              <a:t> temperature and humidity sensor features a calibrated digital signal output with the temperature and humidity sensor capability.</a:t>
             </a:r>
           </a:p>
           <a:p>
@@ -4841,7 +4956,7 @@
               <a:buFont typeface="Arial" pitchFamily="34" charset="0"/>
               <a:buChar char="•"/>
             </a:pPr>
-            <a:endParaRPr lang="en-US" sz="2000" dirty="0" smtClean="0">
+            <a:endParaRPr lang="en-US" sz="2000" dirty="0">
               <a:cs typeface="Comic Sans MS" panose="030F0702030302020204" charset="0"/>
             </a:endParaRPr>
           </a:p>
@@ -4851,26 +4966,14 @@
               <a:buChar char="•"/>
             </a:pPr>
             <a:r>
-              <a:rPr lang="en-US" sz="2000" dirty="0" smtClean="0">
-                <a:cs typeface="Comic Sans MS" panose="030F0702030302020204" charset="0"/>
-              </a:rPr>
-              <a:t>It is integrated with a high performance 8-bit </a:t>
-            </a:r>
-            <a:r>
-              <a:rPr lang="en-US" sz="2000" dirty="0" err="1" smtClean="0">
-                <a:cs typeface="Comic Sans MS" panose="030F0702030302020204" charset="0"/>
-              </a:rPr>
-              <a:t>microcontroller.Its</a:t>
-            </a:r>
-            <a:r>
-              <a:rPr lang="en-US" sz="2000" dirty="0" smtClean="0">
-                <a:cs typeface="Comic Sans MS" panose="030F0702030302020204" charset="0"/>
-              </a:rPr>
-              <a:t> technology ensures the highly reliability and excellent long term stability</a:t>
-            </a:r>
-          </a:p>
-          <a:p>
-            <a:endParaRPr lang="en-US" sz="2000" dirty="0" smtClean="0">
+              <a:rPr lang="en-US" sz="2000" dirty="0">
+                <a:cs typeface="Comic Sans MS" panose="030F0702030302020204" charset="0"/>
+              </a:rPr>
+              <a:t>It is integrated with a high performance 8-bit micro controller. Its technology ensures the highly reliability and excellent long term stability</a:t>
+            </a:r>
+          </a:p>
+          <a:p>
+            <a:endParaRPr lang="en-US" sz="2000" dirty="0">
               <a:cs typeface="Comic Sans MS" panose="030F0702030302020204" charset="0"/>
             </a:endParaRPr>
           </a:p>
@@ -4880,28 +4983,25 @@
               <a:buChar char="•"/>
             </a:pPr>
             <a:r>
-              <a:rPr lang="en-US" sz="2000" dirty="0" smtClean="0">
-                <a:cs typeface="Comic Sans MS" panose="030F0702030302020204" charset="0"/>
-              </a:rPr>
-              <a:t>U</a:t>
-            </a:r>
-            <a:r>
-              <a:rPr lang="en-US" sz="2000" dirty="0" smtClean="0">
-                <a:cs typeface="Comic Sans MS" panose="030F0702030302020204" charset="0"/>
-              </a:rPr>
-              <a:t>ltrasonic transducers or ultrasonic sensor are a type of acoustic sensor divided into 3 broad </a:t>
-            </a:r>
-            <a:r>
-              <a:rPr lang="en-US" sz="2000" dirty="0" err="1" smtClean="0">
-                <a:cs typeface="Comic Sans MS" panose="030F0702030302020204" charset="0"/>
-              </a:rPr>
-              <a:t>categories:transmitters,receivers,transceivers</a:t>
-            </a:r>
-            <a:r>
-              <a:rPr lang="en-US" sz="2000" dirty="0" smtClean="0">
-                <a:cs typeface="Comic Sans MS" panose="030F0702030302020204" charset="0"/>
-              </a:rPr>
-              <a:t>.</a:t>
+              <a:rPr lang="en-US" sz="2000" dirty="0">
+                <a:cs typeface="Comic Sans MS" panose="030F0702030302020204" charset="0"/>
+              </a:rPr>
+              <a:t>Ultrasonic transducers or </a:t>
+            </a:r>
+            <a:r>
+              <a:rPr lang="en-US" sz="2000" dirty="0">
+                <a:solidFill>
+                  <a:srgbClr val="FF0000"/>
+                </a:solidFill>
+                <a:cs typeface="Comic Sans MS" panose="030F0702030302020204" charset="0"/>
+              </a:rPr>
+              <a:t>Ultrasonic sensor </a:t>
+            </a:r>
+            <a:r>
+              <a:rPr lang="en-US" sz="2000" dirty="0">
+                <a:cs typeface="Comic Sans MS" panose="030F0702030302020204" charset="0"/>
+              </a:rPr>
+              <a:t>are a type of acoustic sensor divided into 3 broad categories: transmitters, receivers, transceivers.</a:t>
             </a:r>
           </a:p>
           <a:p>
@@ -4909,7 +5009,7 @@
               <a:buFont typeface="Arial" pitchFamily="34" charset="0"/>
               <a:buChar char="•"/>
             </a:pPr>
-            <a:endParaRPr lang="en-US" sz="2000" dirty="0" smtClean="0">
+            <a:endParaRPr lang="en-US" sz="2000" dirty="0">
               <a:cs typeface="Comic Sans MS" panose="030F0702030302020204" charset="0"/>
             </a:endParaRPr>
           </a:p>
@@ -4919,22 +5019,10 @@
               <a:buChar char="•"/>
             </a:pPr>
             <a:r>
-              <a:rPr lang="en-US" sz="2000" dirty="0" smtClean="0">
-                <a:cs typeface="Comic Sans MS" panose="030F0702030302020204" charset="0"/>
-              </a:rPr>
-              <a:t>Transmitters convert electrical signals into </a:t>
-            </a:r>
-            <a:r>
-              <a:rPr lang="en-US" sz="2000" dirty="0" err="1" smtClean="0">
-                <a:cs typeface="Comic Sans MS" panose="030F0702030302020204" charset="0"/>
-              </a:rPr>
-              <a:t>ultrasound,receivers</a:t>
-            </a:r>
-            <a:r>
-              <a:rPr lang="en-US" sz="2000" dirty="0" smtClean="0">
-                <a:cs typeface="Comic Sans MS" panose="030F0702030302020204" charset="0"/>
-              </a:rPr>
-              <a:t> convert ultrasound into electrical signals Transceivers can both transmit and receive ultrasonic sound.</a:t>
+              <a:rPr lang="en-US" sz="2000" dirty="0">
+                <a:cs typeface="Comic Sans MS" panose="030F0702030302020204" charset="0"/>
+              </a:rPr>
+              <a:t>Transmitters convert electrical signals into ultrasound , receivers convert ultrasound into electrical signals Transceivers can both transmit and receive ultrasonic sound.</a:t>
             </a:r>
           </a:p>
           <a:p>
@@ -4952,13 +5040,6 @@
   <p:clrMapOvr>
     <a:masterClrMapping/>
   </p:clrMapOvr>
-  <p:timing>
-    <p:tnLst>
-      <p:par>
-        <p:cTn id="1" dur="indefinite" restart="never" nodeType="tmRoot"/>
-      </p:par>
-    </p:tnLst>
-  </p:timing>
 </p:sld>
 </file>
 
@@ -5006,25 +5087,28 @@
               <a:buChar char="•"/>
             </a:pPr>
             <a:r>
-              <a:rPr lang="en-US" sz="2000" dirty="0" smtClean="0">
+              <a:rPr lang="en-US" sz="2000" dirty="0">
                 <a:cs typeface="Comic Sans MS" panose="030F0702030302020204" charset="0"/>
                 <a:sym typeface="+mn-ea"/>
               </a:rPr>
-              <a:t>The Grove - Gas Sensor(MQ2) module is useful for </a:t>
-            </a:r>
-            <a:r>
-              <a:rPr lang="en-US" sz="2000" dirty="0" smtClean="0">
+              <a:t>The Grove - </a:t>
+            </a:r>
+            <a:r>
+              <a:rPr lang="en-US" sz="2000" dirty="0">
+                <a:solidFill>
+                  <a:srgbClr val="FF0000"/>
+                </a:solidFill>
                 <a:cs typeface="Comic Sans MS" panose="030F0702030302020204" charset="0"/>
                 <a:sym typeface="+mn-ea"/>
               </a:rPr>
-              <a:t>G</a:t>
-            </a:r>
-            <a:r>
-              <a:rPr lang="en-US" sz="2000" dirty="0" smtClean="0">
+              <a:t>Gas Sensor(MQ2) </a:t>
+            </a:r>
+            <a:r>
+              <a:rPr lang="en-US" sz="2000" dirty="0">
                 <a:cs typeface="Comic Sans MS" panose="030F0702030302020204" charset="0"/>
                 <a:sym typeface="+mn-ea"/>
               </a:rPr>
-              <a:t>as leakage detection (home and industry). </a:t>
+              <a:t>module is useful for Gas leakage detection (home and industry). </a:t>
             </a:r>
           </a:p>
           <a:p>
@@ -5032,7 +5116,7 @@
               <a:buFont typeface="Arial" pitchFamily="34" charset="0"/>
               <a:buChar char="•"/>
             </a:pPr>
-            <a:endParaRPr lang="en-US" sz="2000" dirty="0" smtClean="0">
+            <a:endParaRPr lang="en-US" sz="2000" dirty="0">
               <a:cs typeface="Comic Sans MS" panose="030F0702030302020204" charset="0"/>
             </a:endParaRPr>
           </a:p>
@@ -5042,25 +5126,11 @@
               <a:buChar char="•"/>
             </a:pPr>
             <a:r>
-              <a:rPr lang="en-US" sz="2000" dirty="0" smtClean="0">
+              <a:rPr lang="en-US" sz="2000" dirty="0">
                 <a:cs typeface="Comic Sans MS" panose="030F0702030302020204" charset="0"/>
                 <a:sym typeface="+mn-ea"/>
               </a:rPr>
-              <a:t>It is suitable for detecting H2, LPG, CH4, CO, </a:t>
-            </a:r>
-            <a:r>
-              <a:rPr lang="en-US" sz="2000" dirty="0" err="1" smtClean="0">
-                <a:cs typeface="Comic Sans MS" panose="030F0702030302020204" charset="0"/>
-                <a:sym typeface="+mn-ea"/>
-              </a:rPr>
-              <a:t>Alcohol,Smoke</a:t>
-            </a:r>
-            <a:r>
-              <a:rPr lang="en-US" sz="2000" dirty="0" smtClean="0">
-                <a:cs typeface="Comic Sans MS" panose="030F0702030302020204" charset="0"/>
-                <a:sym typeface="+mn-ea"/>
-              </a:rPr>
-              <a:t> or Propane.</a:t>
+              <a:t>It is suitable for detecting H2, LPG, CH4, CO, Alcohol , Smoke or Propane.</a:t>
             </a:r>
           </a:p>
           <a:p>
@@ -5068,7 +5138,7 @@
               <a:buFont typeface="Arial" pitchFamily="34" charset="0"/>
               <a:buChar char="•"/>
             </a:pPr>
-            <a:endParaRPr lang="en-US" sz="2000" dirty="0" smtClean="0">
+            <a:endParaRPr lang="en-US" sz="2000" dirty="0">
               <a:cs typeface="Comic Sans MS" panose="030F0702030302020204" charset="0"/>
               <a:sym typeface="+mn-ea"/>
             </a:endParaRPr>
@@ -5079,32 +5149,11 @@
               <a:buChar char="•"/>
             </a:pPr>
             <a:r>
-              <a:rPr lang="en-US" sz="2000" dirty="0" smtClean="0">
+              <a:rPr lang="en-US" sz="2000" dirty="0">
                 <a:cs typeface="Comic Sans MS" panose="030F0702030302020204" charset="0"/>
                 <a:sym typeface="+mn-ea"/>
               </a:rPr>
-              <a:t>Due to its high sensitivity and</a:t>
-            </a:r>
-            <a:r>
-              <a:rPr lang="en-US" sz="2000" dirty="0">
-                <a:cs typeface="Comic Sans MS" panose="030F0702030302020204" charset="0"/>
-                <a:sym typeface="+mn-ea"/>
-              </a:rPr>
-              <a:t> </a:t>
-            </a:r>
-            <a:r>
-              <a:rPr lang="en-US" sz="2000" dirty="0" smtClean="0">
-                <a:cs typeface="Comic Sans MS" panose="030F0702030302020204" charset="0"/>
-                <a:sym typeface="+mn-ea"/>
-              </a:rPr>
-              <a:t>F</a:t>
-            </a:r>
-            <a:r>
-              <a:rPr lang="en-US" sz="2000" dirty="0" smtClean="0">
-                <a:cs typeface="Comic Sans MS" panose="030F0702030302020204" charset="0"/>
-                <a:sym typeface="+mn-ea"/>
-              </a:rPr>
-              <a:t>ast response time, measurement can be taken as soon as possible. </a:t>
+              <a:t>Due to its high sensitivity and Fast response time, measurement can be taken as soon as possible. </a:t>
             </a:r>
           </a:p>
           <a:p>
@@ -5122,35 +5171,38 @@
               <a:buChar char="•"/>
             </a:pPr>
             <a:r>
-              <a:rPr lang="en-US" sz="2000" dirty="0" smtClean="0">
+              <a:rPr lang="en-US" sz="2000" dirty="0">
                 <a:cs typeface="Comic Sans MS" panose="030F0702030302020204" charset="0"/>
                 <a:sym typeface="+mn-ea"/>
               </a:rPr>
-              <a:t>A servomotor is a rotary actuator or linear actuator that</a:t>
+              <a:t>A </a:t>
             </a:r>
             <a:r>
               <a:rPr lang="en-US" sz="2000" dirty="0">
+                <a:solidFill>
+                  <a:srgbClr val="FF0000"/>
+                </a:solidFill>
                 <a:cs typeface="Comic Sans MS" panose="030F0702030302020204" charset="0"/>
                 <a:sym typeface="+mn-ea"/>
               </a:rPr>
-              <a:t> </a:t>
-            </a:r>
-            <a:r>
-              <a:rPr lang="en-US" sz="2000" dirty="0" smtClean="0">
+              <a:t>Servomotor</a:t>
+            </a:r>
+            <a:r>
+              <a:rPr lang="en-US" sz="2000" dirty="0">
                 <a:cs typeface="Comic Sans MS" panose="030F0702030302020204" charset="0"/>
                 <a:sym typeface="+mn-ea"/>
               </a:rPr>
-              <a:t>allows for precise control of angular or linear </a:t>
-            </a:r>
-            <a:r>
-              <a:rPr lang="en-US" sz="2000" dirty="0" err="1" smtClean="0">
+              <a:t> is a rotary actuator or linear actuator that allows for precise control of angular or linear </a:t>
+            </a:r>
+            <a:r>
+              <a:rPr lang="en-US" sz="2000" dirty="0" err="1">
                 <a:cs typeface="Comic Sans MS" panose="030F0702030302020204" charset="0"/>
                 <a:sym typeface="+mn-ea"/>
               </a:rPr>
               <a:t>position,velocity</a:t>
             </a:r>
             <a:r>
-              <a:rPr lang="en-US" sz="2000" dirty="0" smtClean="0">
+              <a:rPr lang="en-US" sz="2000" dirty="0">
                 <a:cs typeface="Comic Sans MS" panose="030F0702030302020204" charset="0"/>
                 <a:sym typeface="+mn-ea"/>
               </a:rPr>
@@ -5162,7 +5214,7 @@
               <a:buFont typeface="Arial" pitchFamily="34" charset="0"/>
               <a:buChar char="•"/>
             </a:pPr>
-            <a:endParaRPr lang="en-US" sz="2000" baseline="30000" dirty="0" smtClean="0">
+            <a:endParaRPr lang="en-US" sz="2000" baseline="30000" dirty="0">
               <a:cs typeface="Comic Sans MS" panose="030F0702030302020204" charset="0"/>
             </a:endParaRPr>
           </a:p>
@@ -5172,32 +5224,18 @@
               <a:buChar char="•"/>
             </a:pPr>
             <a:r>
-              <a:rPr lang="en-US" sz="2000" baseline="30000" dirty="0" smtClean="0">
+              <a:rPr lang="en-US" sz="2000" baseline="30000" dirty="0">
                 <a:cs typeface="Comic Sans MS" panose="030F0702030302020204" charset="0"/>
                 <a:sym typeface="+mn-ea"/>
               </a:rPr>
               <a:t> </a:t>
             </a:r>
             <a:r>
-              <a:rPr lang="en-US" sz="2000" dirty="0" smtClean="0">
+              <a:rPr lang="en-US" sz="2000" dirty="0">
                 <a:cs typeface="Comic Sans MS" panose="030F0702030302020204" charset="0"/>
                 <a:sym typeface="+mn-ea"/>
               </a:rPr>
-              <a:t>It consists of a suitable motor coupled to a sensor for</a:t>
-            </a:r>
-            <a:r>
-              <a:rPr lang="en-US" sz="2000" dirty="0">
-                <a:cs typeface="Comic Sans MS" panose="030F0702030302020204" charset="0"/>
-                <a:sym typeface="+mn-ea"/>
-              </a:rPr>
-              <a:t> </a:t>
-            </a:r>
-            <a:r>
-              <a:rPr lang="en-US" sz="2000" dirty="0" smtClean="0">
-                <a:cs typeface="Comic Sans MS" panose="030F0702030302020204" charset="0"/>
-                <a:sym typeface="+mn-ea"/>
-              </a:rPr>
-              <a:t>position feedback.</a:t>
+              <a:t>It consists of a suitable motor coupled to a sensor for position feedback.</a:t>
             </a:r>
           </a:p>
           <a:p>
@@ -5205,7 +5243,7 @@
               <a:buFont typeface="Arial" pitchFamily="34" charset="0"/>
               <a:buChar char="•"/>
             </a:pPr>
-            <a:endParaRPr lang="en-US" sz="2000" dirty="0" smtClean="0">
+            <a:endParaRPr lang="en-US" sz="2000" dirty="0">
               <a:cs typeface="Comic Sans MS" panose="030F0702030302020204" charset="0"/>
             </a:endParaRPr>
           </a:p>
@@ -5215,7 +5253,7 @@
               <a:buChar char="•"/>
             </a:pPr>
             <a:r>
-              <a:rPr lang="en-US" sz="2000" dirty="0" smtClean="0">
+              <a:rPr lang="en-US" sz="2000" dirty="0">
                 <a:cs typeface="Comic Sans MS" panose="030F0702030302020204" charset="0"/>
                 <a:sym typeface="+mn-ea"/>
               </a:rPr>
@@ -5227,7 +5265,7 @@
               <a:buFont typeface="Arial" pitchFamily="34" charset="0"/>
               <a:buChar char="•"/>
             </a:pPr>
-            <a:endParaRPr lang="en-US" sz="2000" dirty="0" smtClean="0">
+            <a:endParaRPr lang="en-US" sz="2000" dirty="0">
               <a:cs typeface="Comic Sans MS" panose="030F0702030302020204" charset="0"/>
             </a:endParaRPr>
           </a:p>
@@ -5237,20 +5275,20 @@
               <a:buChar char="•"/>
             </a:pPr>
             <a:r>
-              <a:rPr lang="en-US" sz="2000" dirty="0" smtClean="0">
+              <a:rPr lang="en-US" sz="2000" dirty="0">
                 <a:cs typeface="Comic Sans MS" panose="030F0702030302020204" charset="0"/>
                 <a:sym typeface="+mn-ea"/>
               </a:rPr>
               <a:t> often a dedicated module designed specifically for use with servomotors.</a:t>
             </a:r>
-            <a:endParaRPr lang="en-US" sz="2000" dirty="0" smtClean="0"/>
+            <a:endParaRPr lang="en-US" sz="2000" dirty="0"/>
           </a:p>
           <a:p>
             <a:pPr marL="342900" indent="-342900">
               <a:buFont typeface="Arial" pitchFamily="34" charset="0"/>
               <a:buChar char="•"/>
             </a:pPr>
-            <a:endParaRPr lang="en-US" sz="2000" dirty="0" smtClean="0"/>
+            <a:endParaRPr lang="en-US" sz="2000" dirty="0"/>
           </a:p>
           <a:p>
             <a:pPr marL="342900" indent="-342900">
@@ -5271,13 +5309,6 @@
   <p:clrMapOvr>
     <a:masterClrMapping/>
   </p:clrMapOvr>
-  <p:timing>
-    <p:tnLst>
-      <p:par>
-        <p:cTn id="1" dur="indefinite" restart="never" nodeType="tmRoot"/>
-      </p:par>
-    </p:tnLst>
-  </p:timing>
 </p:sld>
 </file>
 
@@ -5306,7 +5337,7 @@
         </p:nvSpPr>
         <p:spPr>
           <a:xfrm>
-            <a:off x="323528" y="692696"/>
+            <a:off x="323528" y="321522"/>
             <a:ext cx="8496944" cy="3447098"/>
           </a:xfrm>
           <a:prstGeom prst="rect">
@@ -5333,6 +5364,9 @@
             </a:r>
             <a:r>
               <a:rPr lang="en-US" sz="2000" b="1" dirty="0">
+                <a:solidFill>
+                  <a:srgbClr val="FF0000"/>
+                </a:solidFill>
                 <a:cs typeface="Comic Sans MS" panose="030F0702030302020204" charset="0"/>
                 <a:sym typeface="+mn-ea"/>
               </a:rPr>
@@ -5340,6 +5374,9 @@
             </a:r>
             <a:r>
               <a:rPr lang="en-US" sz="2000" dirty="0">
+                <a:solidFill>
+                  <a:srgbClr val="FF0000"/>
+                </a:solidFill>
                 <a:cs typeface="Comic Sans MS" panose="030F0702030302020204" charset="0"/>
                 <a:sym typeface="+mn-ea"/>
               </a:rPr>
@@ -5347,6 +5384,9 @@
             </a:r>
             <a:r>
               <a:rPr lang="en-US" sz="2000" b="1" dirty="0">
+                <a:solidFill>
+                  <a:srgbClr val="FF0000"/>
+                </a:solidFill>
                 <a:cs typeface="Comic Sans MS" panose="030F0702030302020204" charset="0"/>
                 <a:sym typeface="+mn-ea"/>
               </a:rPr>
@@ -5354,17 +5394,20 @@
             </a:r>
             <a:r>
               <a:rPr lang="en-US" sz="2000" dirty="0">
+                <a:solidFill>
+                  <a:srgbClr val="FF0000"/>
+                </a:solidFill>
                 <a:cs typeface="Comic Sans MS" panose="030F0702030302020204" charset="0"/>
                 <a:sym typeface="+mn-ea"/>
               </a:rPr>
-              <a:t>) is a light-emitting diode (LED) in which the emissive electroluminescent  layer is a film of organic compound that emits light in response to an electric current</a:t>
-            </a:r>
-            <a:r>
-              <a:rPr lang="en-US" sz="2000" dirty="0" smtClean="0">
+              <a:t>) </a:t>
+            </a:r>
+            <a:r>
+              <a:rPr lang="en-US" sz="2000" dirty="0">
                 <a:cs typeface="Comic Sans MS" panose="030F0702030302020204" charset="0"/>
                 <a:sym typeface="+mn-ea"/>
               </a:rPr>
-              <a:t>.</a:t>
+              <a:t>is a light-emitting diode (LED) in which the emissive electroluminescent  layer is a film of organic compound that emits light in response to an electric current.</a:t>
             </a:r>
           </a:p>
           <a:p>
@@ -5372,7 +5415,7 @@
               <a:buFont typeface="Arial" pitchFamily="34" charset="0"/>
               <a:buChar char="•"/>
             </a:pPr>
-            <a:endParaRPr lang="en-US" sz="2000" dirty="0" smtClean="0">
+            <a:endParaRPr lang="en-US" sz="2000" dirty="0">
               <a:cs typeface="Comic Sans MS" panose="030F0702030302020204" charset="0"/>
             </a:endParaRPr>
           </a:p>
@@ -5382,23 +5425,12 @@
               <a:buChar char="•"/>
             </a:pPr>
             <a:r>
-              <a:rPr lang="en-US" sz="2000" dirty="0" smtClean="0">
+              <a:rPr lang="en-US" sz="2000" dirty="0">
                 <a:cs typeface="Comic Sans MS" panose="030F0702030302020204" charset="0"/>
                 <a:sym typeface="+mn-ea"/>
               </a:rPr>
-              <a:t> </a:t>
-            </a:r>
-            <a:r>
-              <a:rPr lang="en-US" sz="2000" dirty="0">
-                <a:cs typeface="Comic Sans MS" panose="030F0702030302020204" charset="0"/>
-                <a:sym typeface="+mn-ea"/>
-              </a:rPr>
-              <a:t>This organic layer is situated between two electrodes; typically, at least one of these electrodes is transparent. </a:t>
-            </a:r>
-            <a:endParaRPr lang="en-US" sz="2000" dirty="0" smtClean="0">
-              <a:cs typeface="Comic Sans MS" panose="030F0702030302020204" charset="0"/>
-              <a:sym typeface="+mn-ea"/>
-            </a:endParaRPr>
+              <a:t> This organic layer is situated between two electrodes; typically, at least one of these electrodes is transparent. </a:t>
+            </a:r>
           </a:p>
           <a:p>
             <a:pPr marL="342900" indent="-342900">
@@ -5456,7 +5488,7 @@
               <a:buFont typeface="Arial" pitchFamily="34" charset="0"/>
               <a:buChar char="•"/>
             </a:pPr>
-            <a:endParaRPr lang="en-US" sz="2000" dirty="0" smtClean="0"/>
+            <a:endParaRPr lang="en-US" sz="2000" dirty="0"/>
           </a:p>
           <a:p>
             <a:pPr marL="342900" indent="-342900">
@@ -5464,35 +5496,48 @@
               <a:buChar char="•"/>
             </a:pPr>
             <a:r>
-              <a:rPr lang="en-US" sz="2000" dirty="0" smtClean="0">
+              <a:rPr lang="en-US" sz="2000" dirty="0">
                 <a:cs typeface="Comic Sans MS" panose="030F0702030302020204" charset="0"/>
                 <a:sym typeface="+mn-ea"/>
               </a:rPr>
               <a:t> The </a:t>
             </a:r>
             <a:r>
-              <a:rPr lang="en-US" sz="2000" dirty="0" err="1" smtClean="0">
+              <a:rPr lang="en-US" sz="2000" dirty="0" err="1">
+                <a:solidFill>
+                  <a:srgbClr val="FF0000"/>
+                </a:solidFill>
                 <a:cs typeface="Comic Sans MS" panose="030F0702030302020204" charset="0"/>
                 <a:sym typeface="+mn-ea"/>
               </a:rPr>
               <a:t>Arduino</a:t>
             </a:r>
             <a:r>
-              <a:rPr lang="en-US" sz="2000" dirty="0" smtClean="0">
+              <a:rPr lang="en-US" sz="2000" dirty="0">
+                <a:solidFill>
+                  <a:srgbClr val="FF0000"/>
+                </a:solidFill>
                 <a:cs typeface="Comic Sans MS" panose="030F0702030302020204" charset="0"/>
                 <a:sym typeface="+mn-ea"/>
               </a:rPr>
-              <a:t> integrated development environment (IDE) is a cross-platform application (for Windows, </a:t>
-            </a:r>
-            <a:r>
-              <a:rPr lang="en-US" sz="2000" dirty="0" err="1" smtClean="0">
+              <a:t> integrated development environment </a:t>
+            </a:r>
+            <a:r>
+              <a:rPr lang="en-US" sz="2000" dirty="0">
                 <a:cs typeface="Comic Sans MS" panose="030F0702030302020204" charset="0"/>
                 <a:sym typeface="+mn-ea"/>
               </a:rPr>
+              <a:t>(IDE) is a cross-platform application (for Windows, </a:t>
+            </a:r>
+            <a:r>
+              <a:rPr lang="en-US" sz="2000" dirty="0" err="1">
+                <a:cs typeface="Comic Sans MS" panose="030F0702030302020204" charset="0"/>
+                <a:sym typeface="+mn-ea"/>
+              </a:rPr>
               <a:t>macOS</a:t>
             </a:r>
             <a:r>
-              <a:rPr lang="en-US" sz="2000" dirty="0" smtClean="0">
+              <a:rPr lang="en-US" sz="2000" dirty="0">
                 <a:cs typeface="Comic Sans MS" panose="030F0702030302020204" charset="0"/>
                 <a:sym typeface="+mn-ea"/>
               </a:rPr>
@@ -5504,7 +5549,7 @@
               <a:buFont typeface="Arial" pitchFamily="34" charset="0"/>
               <a:buChar char="•"/>
             </a:pPr>
-            <a:endParaRPr lang="en-US" sz="2000" dirty="0" smtClean="0">
+            <a:endParaRPr lang="en-US" sz="2000" dirty="0">
               <a:cs typeface="Comic Sans MS" panose="030F0702030302020204" charset="0"/>
             </a:endParaRPr>
           </a:p>
@@ -5518,30 +5563,23 @@
                 <a:cs typeface="Comic Sans MS" panose="030F0702030302020204" charset="0"/>
                 <a:sym typeface="+mn-ea"/>
               </a:rPr>
-              <a:t> </a:t>
-            </a:r>
-            <a:r>
-              <a:rPr lang="en-US" sz="2000" dirty="0" smtClean="0">
+              <a:t> It is used to write and upload programs to </a:t>
+            </a:r>
+            <a:r>
+              <a:rPr lang="en-US" sz="2000" dirty="0" err="1">
                 <a:cs typeface="Comic Sans MS" panose="030F0702030302020204" charset="0"/>
                 <a:sym typeface="+mn-ea"/>
               </a:rPr>
-              <a:t>It is used to write and upload programs to </a:t>
-            </a:r>
-            <a:r>
-              <a:rPr lang="en-US" sz="2000" dirty="0" err="1" smtClean="0">
+              <a:t>Arduino</a:t>
+            </a:r>
+            <a:r>
+              <a:rPr lang="en-US" sz="2000" dirty="0">
                 <a:cs typeface="Comic Sans MS" panose="030F0702030302020204" charset="0"/>
                 <a:sym typeface="+mn-ea"/>
               </a:rPr>
-              <a:t>Arduino</a:t>
-            </a:r>
-            <a:r>
-              <a:rPr lang="en-US" sz="2000" dirty="0" smtClean="0">
-                <a:cs typeface="Comic Sans MS" panose="030F0702030302020204" charset="0"/>
-                <a:sym typeface="+mn-ea"/>
-              </a:rPr>
               <a:t> compatible boards, but also, with the help of 3rd party cores, other vendor development boards.</a:t>
             </a:r>
-            <a:endParaRPr lang="en-US" sz="2000" dirty="0" smtClean="0">
+            <a:endParaRPr lang="en-US" sz="2000" dirty="0">
               <a:cs typeface="Comic Sans MS" panose="030F0702030302020204" charset="0"/>
             </a:endParaRPr>
           </a:p>
@@ -5549,19 +5587,55 @@
             <a:pPr>
               <a:buNone/>
             </a:pPr>
-            <a:endParaRPr lang="en-US" b="1" dirty="0" smtClean="0">
+            <a:endParaRPr lang="en-US" b="1" dirty="0">
               <a:latin typeface="Comic Sans MS" panose="030F0702030302020204" charset="0"/>
               <a:cs typeface="Comic Sans MS" panose="030F0702030302020204" charset="0"/>
             </a:endParaRPr>
           </a:p>
           <a:p>
-            <a:endParaRPr lang="en-US" dirty="0" smtClean="0">
+            <a:endParaRPr lang="en-US" dirty="0">
               <a:latin typeface="Comic Sans MS" panose="030F0702030302020204" charset="0"/>
               <a:cs typeface="Comic Sans MS" panose="030F0702030302020204" charset="0"/>
             </a:endParaRPr>
           </a:p>
           <a:p>
             <a:endParaRPr lang="en-IN" dirty="0"/>
+          </a:p>
+        </p:txBody>
+      </p:sp>
+      <p:sp>
+        <p:nvSpPr>
+          <p:cNvPr id="4" name="TextBox 3">
+            <a:extLst>
+              <a:ext uri="{FF2B5EF4-FFF2-40B4-BE49-F238E27FC236}">
+                <a16:creationId xmlns:a16="http://schemas.microsoft.com/office/drawing/2014/main" id="{9DFBD195-F9F5-4678-BCA6-26D612B9F162}"/>
+              </a:ext>
+            </a:extLst>
+          </p:cNvPr>
+          <p:cNvSpPr txBox="1"/>
+          <p:nvPr/>
+        </p:nvSpPr>
+        <p:spPr>
+          <a:xfrm>
+            <a:off x="755576" y="3501008"/>
+            <a:ext cx="2468946" cy="400110"/>
+          </a:xfrm>
+          <a:prstGeom prst="rect">
+            <a:avLst/>
+          </a:prstGeom>
+          <a:noFill/>
+        </p:spPr>
+        <p:txBody>
+          <a:bodyPr wrap="none" rtlCol="0">
+            <a:spAutoFit/>
+          </a:bodyPr>
+          <a:lstStyle/>
+          <a:p>
+            <a:r>
+              <a:rPr lang="en-US" sz="2000" u="sng" dirty="0"/>
+              <a:t>Software Components</a:t>
+            </a:r>
+            <a:endParaRPr lang="en-IN" sz="2000" u="sng" dirty="0"/>
           </a:p>
         </p:txBody>
       </p:sp>
@@ -5575,13 +5649,6 @@
   <p:clrMapOvr>
     <a:masterClrMapping/>
   </p:clrMapOvr>
-  <p:timing>
-    <p:tnLst>
-      <p:par>
-        <p:cTn id="1" dur="indefinite" restart="never" nodeType="tmRoot"/>
-      </p:par>
-    </p:tnLst>
-  </p:timing>
 </p:sld>
 </file>
 
@@ -5629,25 +5696,28 @@
               <a:buChar char="•"/>
             </a:pPr>
             <a:r>
-              <a:rPr lang="en-US" sz="2000" dirty="0" err="1" smtClean="0">
+              <a:rPr lang="en-US" sz="2000" dirty="0" err="1">
+                <a:solidFill>
+                  <a:srgbClr val="FF0000"/>
+                </a:solidFill>
                 <a:cs typeface="Comic Sans MS" panose="030F0702030302020204" charset="0"/>
               </a:rPr>
               <a:t>Blynk</a:t>
             </a:r>
             <a:r>
-              <a:rPr lang="en-US" sz="2000" dirty="0" smtClean="0">
+              <a:rPr lang="en-US" sz="2000" dirty="0">
                 <a:cs typeface="Comic Sans MS" panose="030F0702030302020204" charset="0"/>
               </a:rPr>
               <a:t> - The most popular </a:t>
             </a:r>
             <a:r>
-              <a:rPr lang="en-US" sz="2000" dirty="0" err="1" smtClean="0">
+              <a:rPr lang="en-US" sz="2000" dirty="0" err="1">
                 <a:cs typeface="Comic Sans MS" panose="030F0702030302020204" charset="0"/>
               </a:rPr>
               <a:t>IoT</a:t>
             </a:r>
             <a:r>
-              <a:rPr lang="en-US" sz="2000" dirty="0" smtClean="0">
+              <a:rPr lang="en-US" sz="2000" dirty="0">
                 <a:cs typeface="Comic Sans MS" panose="030F0702030302020204" charset="0"/>
               </a:rPr>
               <a:t> platform to connect your devices to the cloud, design apps to control them, and manage your deployed products at scale.</a:t>
@@ -5668,10 +5738,19 @@
               <a:buChar char="•"/>
             </a:pPr>
             <a:r>
-              <a:rPr lang="en-US" sz="2000" dirty="0" smtClean="0">
-                <a:cs typeface="Comic Sans MS" panose="030F0702030302020204" charset="0"/>
-              </a:rPr>
-              <a:t>Node-RED is a flow-based development tool for visual programming developed originally by IBM for wiring together hardware devices, APIs and online services as part of the Internet of Things. Node-RED provides a web browser-based flow editor, which can be used to create JavaScript functions</a:t>
+              <a:rPr lang="en-US" sz="2000" dirty="0">
+                <a:solidFill>
+                  <a:srgbClr val="FF0000"/>
+                </a:solidFill>
+                <a:cs typeface="Comic Sans MS" panose="030F0702030302020204" charset="0"/>
+              </a:rPr>
+              <a:t>Node-RED</a:t>
+            </a:r>
+            <a:r>
+              <a:rPr lang="en-US" sz="2000" dirty="0">
+                <a:cs typeface="Comic Sans MS" panose="030F0702030302020204" charset="0"/>
+              </a:rPr>
+              <a:t> is a flow-based development tool for visual programming developed originally by IBM for wiring together hardware devices, APIs and online services as part of the Internet of Things. Node-RED provides a web browser-based flow editor, which can be used to create JavaScript functions</a:t>
             </a:r>
           </a:p>
           <a:p>
@@ -5679,7 +5758,7 @@
               <a:buFont typeface="Arial" pitchFamily="34" charset="0"/>
               <a:buChar char="•"/>
             </a:pPr>
-            <a:endParaRPr lang="en-US" sz="2000" dirty="0" smtClean="0">
+            <a:endParaRPr lang="en-US" sz="2000" dirty="0">
               <a:cs typeface="Comic Sans MS" panose="030F0702030302020204" charset="0"/>
             </a:endParaRPr>
           </a:p>
@@ -5698,13 +5777,6 @@
   <p:clrMapOvr>
     <a:masterClrMapping/>
   </p:clrMapOvr>
-  <p:timing>
-    <p:tnLst>
-      <p:par>
-        <p:cTn id="1" dur="indefinite" restart="never" nodeType="tmRoot"/>
-      </p:par>
-    </p:tnLst>
-  </p:timing>
 </p:sld>
 </file>
 
@@ -5752,18 +5824,11 @@
               <a:buChar char="•"/>
             </a:pPr>
             <a:r>
-              <a:rPr lang="en-US" sz="2400" dirty="0">
+              <a:rPr lang="en-US" dirty="0">
                 <a:cs typeface="Comic Sans MS" panose="030F0702030302020204" charset="0"/>
                 <a:sym typeface="+mn-ea"/>
               </a:rPr>
-              <a:t>Firstly we will use gas sensor (MQ2 sensor) for detecting  the presence of harming gases and sends out the notification </a:t>
-            </a:r>
-            <a:r>
-              <a:rPr lang="en-US" sz="2400" dirty="0" smtClean="0">
-                <a:cs typeface="Comic Sans MS" panose="030F0702030302020204" charset="0"/>
-                <a:sym typeface="+mn-ea"/>
-              </a:rPr>
-              <a:t>.</a:t>
+              <a:t>First we will use gas sensor (MQ2 sensor) for detecting  the presence of harming gases and sends out the notification to Switch on the Exhaust Fan </a:t>
             </a:r>
           </a:p>
           <a:p>
@@ -5771,7 +5836,7 @@
               <a:buFont typeface="Arial" pitchFamily="34" charset="0"/>
               <a:buChar char="•"/>
             </a:pPr>
-            <a:endParaRPr lang="en-US" sz="2400" dirty="0">
+            <a:endParaRPr lang="en-US" dirty="0">
               <a:cs typeface="Comic Sans MS" panose="030F0702030302020204" charset="0"/>
             </a:endParaRPr>
           </a:p>
@@ -5781,18 +5846,11 @@
               <a:buChar char="•"/>
             </a:pPr>
             <a:r>
-              <a:rPr lang="en-US" sz="2400" dirty="0">
+              <a:rPr lang="en-US" dirty="0">
                 <a:cs typeface="Comic Sans MS" panose="030F0702030302020204" charset="0"/>
                 <a:sym typeface="+mn-ea"/>
               </a:rPr>
-              <a:t>DHT sensor is used to check the temperature in the poultry and sends the message whether the temperature is high or low</a:t>
-            </a:r>
-            <a:r>
-              <a:rPr lang="en-US" sz="2400" dirty="0" smtClean="0">
-                <a:cs typeface="Comic Sans MS" panose="030F0702030302020204" charset="0"/>
-                <a:sym typeface="+mn-ea"/>
-              </a:rPr>
-              <a:t>.</a:t>
+              <a:t>DHT sensor is used to check the temperature in the poultry and sends the message whether the temperature is high or low.</a:t>
             </a:r>
           </a:p>
           <a:p>
@@ -5800,7 +5858,7 @@
               <a:buFont typeface="Arial" pitchFamily="34" charset="0"/>
               <a:buChar char="•"/>
             </a:pPr>
-            <a:endParaRPr lang="en-US" sz="2400" dirty="0">
+            <a:endParaRPr lang="en-US" dirty="0">
               <a:cs typeface="Comic Sans MS" panose="030F0702030302020204" charset="0"/>
             </a:endParaRPr>
           </a:p>
@@ -5810,18 +5868,11 @@
               <a:buChar char="•"/>
             </a:pPr>
             <a:r>
-              <a:rPr lang="en-US" sz="2400" dirty="0">
+              <a:rPr lang="en-US" dirty="0">
                 <a:cs typeface="Comic Sans MS" panose="030F0702030302020204" charset="0"/>
                 <a:sym typeface="+mn-ea"/>
               </a:rPr>
-              <a:t>Ultrasonic sensor is used to find out the water level in the tank and send the notification whether the water is full and off the motor or the water is empty turn on the motor</a:t>
-            </a:r>
-            <a:r>
-              <a:rPr lang="en-US" sz="2400" dirty="0" smtClean="0">
-                <a:cs typeface="Comic Sans MS" panose="030F0702030302020204" charset="0"/>
-                <a:sym typeface="+mn-ea"/>
-              </a:rPr>
-              <a:t>.</a:t>
+              <a:t>Ultrasonic sensor is used to find out the water level in the tank and send the notification whether the water is full and off the motor or the water is empty turn on the motor.</a:t>
             </a:r>
           </a:p>
           <a:p>
@@ -5829,7 +5880,7 @@
               <a:buFont typeface="Arial" pitchFamily="34" charset="0"/>
               <a:buChar char="•"/>
             </a:pPr>
-            <a:endParaRPr lang="en-US" sz="2400" dirty="0">
+            <a:endParaRPr lang="en-US" dirty="0">
               <a:cs typeface="Comic Sans MS" panose="030F0702030302020204" charset="0"/>
             </a:endParaRPr>
           </a:p>
@@ -5839,13 +5890,115 @@
               <a:buChar char="•"/>
             </a:pPr>
             <a:r>
-              <a:rPr lang="en-US" sz="2400" dirty="0">
+              <a:rPr lang="en-US" dirty="0">
                 <a:cs typeface="Comic Sans MS" panose="030F0702030302020204" charset="0"/>
                 <a:sym typeface="+mn-ea"/>
               </a:rPr>
               <a:t>Servomotor is also used for the same water purpose itself and fills the tank periodically.</a:t>
             </a:r>
-            <a:endParaRPr lang="en-US" sz="2400" dirty="0">
+          </a:p>
+          <a:p>
+            <a:pPr marL="342900" indent="-342900">
+              <a:buFont typeface="Arial" pitchFamily="34" charset="0"/>
+              <a:buChar char="•"/>
+            </a:pPr>
+            <a:endParaRPr lang="en-US" dirty="0">
+              <a:cs typeface="Comic Sans MS" panose="030F0702030302020204" charset="0"/>
+              <a:sym typeface="+mn-ea"/>
+            </a:endParaRPr>
+          </a:p>
+          <a:p>
+            <a:pPr marL="342900" indent="-342900">
+              <a:buFont typeface="Arial" pitchFamily="34" charset="0"/>
+              <a:buChar char="•"/>
+            </a:pPr>
+            <a:r>
+              <a:rPr lang="en-US" dirty="0">
+                <a:cs typeface="Comic Sans MS" panose="030F0702030302020204" charset="0"/>
+                <a:sym typeface="+mn-ea"/>
+              </a:rPr>
+              <a:t>We use the IBM Watson to Store the </a:t>
+            </a:r>
+            <a:r>
+              <a:rPr lang="en-US" dirty="0" err="1">
+                <a:cs typeface="Comic Sans MS" panose="030F0702030302020204" charset="0"/>
+                <a:sym typeface="+mn-ea"/>
+              </a:rPr>
+              <a:t>data,so</a:t>
+            </a:r>
+            <a:r>
+              <a:rPr lang="en-US" dirty="0">
+                <a:cs typeface="Comic Sans MS" panose="030F0702030302020204" charset="0"/>
+                <a:sym typeface="+mn-ea"/>
+              </a:rPr>
+              <a:t> that we can get a </a:t>
+            </a:r>
+            <a:r>
+              <a:rPr lang="en-US" dirty="0" err="1">
+                <a:cs typeface="Comic Sans MS" panose="030F0702030302020204" charset="0"/>
+                <a:sym typeface="+mn-ea"/>
+              </a:rPr>
+              <a:t>montly</a:t>
+            </a:r>
+            <a:r>
+              <a:rPr lang="en-US" dirty="0">
+                <a:cs typeface="Comic Sans MS" panose="030F0702030302020204" charset="0"/>
+                <a:sym typeface="+mn-ea"/>
+              </a:rPr>
+              <a:t> review of the </a:t>
+            </a:r>
+            <a:r>
+              <a:rPr lang="en-US" dirty="0" err="1">
+                <a:cs typeface="Comic Sans MS" panose="030F0702030302020204" charset="0"/>
+                <a:sym typeface="+mn-ea"/>
+              </a:rPr>
+              <a:t>activities.We</a:t>
+            </a:r>
+            <a:r>
+              <a:rPr lang="en-US" dirty="0">
+                <a:cs typeface="Comic Sans MS" panose="030F0702030302020204" charset="0"/>
+                <a:sym typeface="+mn-ea"/>
+              </a:rPr>
+              <a:t> also use the Node-Red to send data into a corresponded URL</a:t>
+            </a:r>
+          </a:p>
+          <a:p>
+            <a:pPr marL="342900" indent="-342900">
+              <a:buFont typeface="Arial" pitchFamily="34" charset="0"/>
+              <a:buChar char="•"/>
+            </a:pPr>
+            <a:endParaRPr lang="en-US" dirty="0">
+              <a:cs typeface="Comic Sans MS" panose="030F0702030302020204" charset="0"/>
+              <a:sym typeface="+mn-ea"/>
+            </a:endParaRPr>
+          </a:p>
+          <a:p>
+            <a:pPr marL="342900" indent="-342900">
+              <a:buFont typeface="Arial" pitchFamily="34" charset="0"/>
+              <a:buChar char="•"/>
+            </a:pPr>
+            <a:r>
+              <a:rPr lang="en-US" dirty="0">
+                <a:cs typeface="Comic Sans MS" panose="030F0702030302020204" charset="0"/>
+                <a:sym typeface="+mn-ea"/>
+              </a:rPr>
+              <a:t>We have created a Mobile App using </a:t>
+            </a:r>
+            <a:r>
+              <a:rPr lang="en-US" dirty="0" err="1">
+                <a:cs typeface="Comic Sans MS" panose="030F0702030302020204" charset="0"/>
+                <a:sym typeface="+mn-ea"/>
+              </a:rPr>
+              <a:t>Blynk</a:t>
+            </a:r>
+            <a:r>
+              <a:rPr lang="en-US" dirty="0">
+                <a:cs typeface="Comic Sans MS" panose="030F0702030302020204" charset="0"/>
+                <a:sym typeface="+mn-ea"/>
+              </a:rPr>
+              <a:t> where you can get the values and notification’s and can control the farm using this app</a:t>
+            </a:r>
+            <a:endParaRPr lang="en-US" dirty="0">
               <a:cs typeface="Comic Sans MS" panose="030F0702030302020204" charset="0"/>
             </a:endParaRPr>
           </a:p>
@@ -5874,10 +6027,9 @@
           <a:lstStyle/>
           <a:p>
             <a:r>
-              <a:rPr lang="en-IN" sz="3200" u="sng" dirty="0" smtClean="0"/>
+              <a:rPr lang="en-IN" sz="3200" u="sng" dirty="0"/>
               <a:t>Working Process</a:t>
             </a:r>
-            <a:endParaRPr lang="en-IN" sz="3200" u="sng" dirty="0"/>
           </a:p>
         </p:txBody>
       </p:sp>
@@ -5891,13 +6043,6 @@
   <p:clrMapOvr>
     <a:masterClrMapping/>
   </p:clrMapOvr>
-  <p:timing>
-    <p:tnLst>
-      <p:par>
-        <p:cTn id="1" dur="indefinite" restart="never" nodeType="tmRoot"/>
-      </p:par>
-    </p:tnLst>
-  </p:timing>
 </p:sld>
 </file>
 
